--- a/DevSecOps V1.1.pptx
+++ b/DevSecOps V1.1.pptx
@@ -7,10 +7,10 @@
     <p:sldMasterId id="2147483753" r:id="rId3"/>
   </p:sldMasterIdLst>
   <p:notesMasterIdLst>
-    <p:notesMasterId r:id="rId12"/>
+    <p:notesMasterId r:id="rId13"/>
   </p:notesMasterIdLst>
   <p:handoutMasterIdLst>
-    <p:handoutMasterId r:id="rId13"/>
+    <p:handoutMasterId r:id="rId14"/>
   </p:handoutMasterIdLst>
   <p:sldIdLst>
     <p:sldId id="866" r:id="rId4"/>
@@ -21,6 +21,7 @@
     <p:sldId id="809" r:id="rId9"/>
     <p:sldId id="896" r:id="rId10"/>
     <p:sldId id="897" r:id="rId11"/>
+    <p:sldId id="898" r:id="rId12"/>
   </p:sldIdLst>
   <p:sldSz cx="12192000" cy="6858000"/>
   <p:notesSz cx="6858000" cy="9144000"/>
@@ -132,6 +133,7 @@
             <p14:sldId id="809"/>
             <p14:sldId id="896"/>
             <p14:sldId id="897"/>
+            <p14:sldId id="898"/>
           </p14:sldIdLst>
         </p14:section>
         <p14:section name="CREDITS &amp; COPYRIGHTS" id="{96A22112-93F8-4FC4-92DC-51B794962ED1}">
@@ -309,7 +311,7 @@
             <a:fld id="{EA33B4B9-AFB0-43EB-82AF-ED70AC262E4F}" type="datetimeFigureOut">
               <a:rPr lang="en-US" smtClean="0"/>
               <a:pPr/>
-              <a:t>11-Oct-22</a:t>
+              <a:t>10/21/2022</a:t>
             </a:fld>
             <a:endParaRPr lang="en-US"/>
           </a:p>
@@ -477,7 +479,7 @@
             <a:fld id="{3D31E77A-DD07-4A76-801D-B4BF4990C412}" type="datetimeFigureOut">
               <a:rPr lang="en-US" smtClean="0"/>
               <a:pPr/>
-              <a:t>11-Oct-22</a:t>
+              <a:t>10/21/2022</a:t>
             </a:fld>
             <a:endParaRPr lang="en-US"/>
           </a:p>
@@ -28399,8 +28401,13 @@
           <a:p>
             <a:r>
               <a:rPr lang="en-US" dirty="0"/>
-              <a:t>Linux Installation – CentOS 9</a:t>
+              <a:t>Linux Installation </a:t>
             </a:r>
+            <a:r>
+              <a:rPr lang="en-US"/>
+              <a:t>– Ubuntu</a:t>
+            </a:r>
+            <a:endParaRPr lang="en-US" dirty="0"/>
           </a:p>
         </p:txBody>
       </p:sp>
@@ -28433,13 +28440,13 @@
           <a:p>
             <a:r>
               <a:rPr lang="en-US" dirty="0"/>
-              <a:t>CentOS VDI download</a:t>
+              <a:t>Ubuntu VDI download</a:t>
             </a:r>
           </a:p>
           <a:p>
             <a:r>
               <a:rPr lang="en-US" dirty="0"/>
-              <a:t>CentOS installation using Oracle Virtual Box</a:t>
+              <a:t>Ubuntu installation using Oracle Virtual Box</a:t>
             </a:r>
           </a:p>
           <a:p>
@@ -28928,6 +28935,750 @@
                                           <p:spTgt spid="3">
                                             <p:txEl>
                                               <p:pRg st="3" end="3"/>
+                                            </p:txEl>
+                                          </p:spTgt>
+                                        </p:tgtEl>
+                                        <p:attrNameLst>
+                                          <p:attrName>ppt_y</p:attrName>
+                                        </p:attrNameLst>
+                                      </p:cBhvr>
+                                      <p:tavLst>
+                                        <p:tav tm="0">
+                                          <p:val>
+                                            <p:strVal val="#ppt_y+.1"/>
+                                          </p:val>
+                                        </p:tav>
+                                        <p:tav tm="100000">
+                                          <p:val>
+                                            <p:strVal val="#ppt_y"/>
+                                          </p:val>
+                                        </p:tav>
+                                      </p:tavLst>
+                                    </p:anim>
+                                  </p:childTnLst>
+                                </p:cTn>
+                              </p:par>
+                            </p:childTnLst>
+                          </p:cTn>
+                        </p:par>
+                      </p:childTnLst>
+                    </p:cTn>
+                  </p:par>
+                </p:childTnLst>
+              </p:cTn>
+              <p:prevCondLst>
+                <p:cond evt="onPrev" delay="0">
+                  <p:tgtEl>
+                    <p:sldTgt/>
+                  </p:tgtEl>
+                </p:cond>
+              </p:prevCondLst>
+              <p:nextCondLst>
+                <p:cond evt="onNext" delay="0">
+                  <p:tgtEl>
+                    <p:sldTgt/>
+                  </p:tgtEl>
+                </p:cond>
+              </p:nextCondLst>
+            </p:seq>
+          </p:childTnLst>
+        </p:cTn>
+      </p:par>
+    </p:tnLst>
+  </p:timing>
+</p:sld>
+</file>
+
+<file path=ppt/slides/slide9.xml><?xml version="1.0" encoding="utf-8"?>
+<p:sld xmlns:a="http://schemas.openxmlformats.org/drawingml/2006/main" xmlns:r="http://schemas.openxmlformats.org/officeDocument/2006/relationships" xmlns:p="http://schemas.openxmlformats.org/presentationml/2006/main">
+  <p:cSld>
+    <p:spTree>
+      <p:nvGrpSpPr>
+        <p:cNvPr id="1" name=""/>
+        <p:cNvGrpSpPr/>
+        <p:nvPr/>
+      </p:nvGrpSpPr>
+      <p:grpSpPr>
+        <a:xfrm>
+          <a:off x="0" y="0"/>
+          <a:ext cx="0" cy="0"/>
+          <a:chOff x="0" y="0"/>
+          <a:chExt cx="0" cy="0"/>
+        </a:xfrm>
+      </p:grpSpPr>
+      <p:sp>
+        <p:nvSpPr>
+          <p:cNvPr id="2" name="Title 1">
+            <a:extLst>
+              <a:ext uri="{FF2B5EF4-FFF2-40B4-BE49-F238E27FC236}">
+                <a16:creationId xmlns:a16="http://schemas.microsoft.com/office/drawing/2014/main" id="{F62BD586-2E67-BD1F-3EAC-BBAA6F680668}"/>
+              </a:ext>
+            </a:extLst>
+          </p:cNvPr>
+          <p:cNvSpPr>
+            <a:spLocks noGrp="1"/>
+          </p:cNvSpPr>
+          <p:nvPr>
+            <p:ph type="title"/>
+          </p:nvPr>
+        </p:nvSpPr>
+        <p:spPr/>
+        <p:txBody>
+          <a:bodyPr/>
+          <a:lstStyle/>
+          <a:p>
+            <a:r>
+              <a:rPr lang="en-US" dirty="0"/>
+              <a:t>Jenkins Installation</a:t>
+            </a:r>
+          </a:p>
+        </p:txBody>
+      </p:sp>
+      <p:sp>
+        <p:nvSpPr>
+          <p:cNvPr id="3" name="Content Placeholder 2">
+            <a:extLst>
+              <a:ext uri="{FF2B5EF4-FFF2-40B4-BE49-F238E27FC236}">
+                <a16:creationId xmlns:a16="http://schemas.microsoft.com/office/drawing/2014/main" id="{B8521976-B87D-AA4F-1BFC-9FC84F9373D5}"/>
+              </a:ext>
+            </a:extLst>
+          </p:cNvPr>
+          <p:cNvSpPr>
+            <a:spLocks noGrp="1"/>
+          </p:cNvSpPr>
+          <p:nvPr>
+            <p:ph idx="1"/>
+          </p:nvPr>
+        </p:nvSpPr>
+        <p:spPr/>
+        <p:txBody>
+          <a:bodyPr/>
+          <a:lstStyle/>
+          <a:p>
+            <a:r>
+              <a:rPr lang="en-US" dirty="0"/>
+              <a:t>Download Jenkins</a:t>
+            </a:r>
+          </a:p>
+          <a:p>
+            <a:r>
+              <a:rPr lang="en-US" dirty="0"/>
+              <a:t>Install Jenkins</a:t>
+            </a:r>
+          </a:p>
+          <a:p>
+            <a:r>
+              <a:rPr lang="en-US" dirty="0"/>
+              <a:t>Jenkins Debian packages</a:t>
+            </a:r>
+          </a:p>
+          <a:p>
+            <a:r>
+              <a:rPr lang="en-US" dirty="0"/>
+              <a:t>Initial setup</a:t>
+            </a:r>
+          </a:p>
+          <a:p>
+            <a:r>
+              <a:rPr lang="en-US" dirty="0"/>
+              <a:t>A project creation</a:t>
+            </a:r>
+          </a:p>
+        </p:txBody>
+      </p:sp>
+      <p:sp>
+        <p:nvSpPr>
+          <p:cNvPr id="6" name="Slide Number Placeholder 5">
+            <a:extLst>
+              <a:ext uri="{FF2B5EF4-FFF2-40B4-BE49-F238E27FC236}">
+                <a16:creationId xmlns:a16="http://schemas.microsoft.com/office/drawing/2014/main" id="{64AAFC49-0020-316C-2EEB-F0198A6D7966}"/>
+              </a:ext>
+            </a:extLst>
+          </p:cNvPr>
+          <p:cNvSpPr>
+            <a:spLocks noGrp="1"/>
+          </p:cNvSpPr>
+          <p:nvPr>
+            <p:ph type="sldNum" sz="quarter" idx="12"/>
+          </p:nvPr>
+        </p:nvSpPr>
+        <p:spPr/>
+        <p:txBody>
+          <a:bodyPr/>
+          <a:lstStyle/>
+          <a:p>
+            <a:fld id="{D325CB3F-26C9-44D7-A7CB-40F86C5CE4B1}" type="slidenum">
+              <a:rPr lang="en-US" smtClean="0"/>
+              <a:t>9</a:t>
+            </a:fld>
+            <a:endParaRPr lang="en-US"/>
+          </a:p>
+        </p:txBody>
+      </p:sp>
+    </p:spTree>
+    <p:extLst>
+      <p:ext uri="{BB962C8B-B14F-4D97-AF65-F5344CB8AC3E}">
+        <p14:creationId xmlns:p14="http://schemas.microsoft.com/office/powerpoint/2010/main" val="2265595117"/>
+      </p:ext>
+    </p:extLst>
+  </p:cSld>
+  <p:clrMapOvr>
+    <a:masterClrMapping/>
+  </p:clrMapOvr>
+  <p:timing>
+    <p:tnLst>
+      <p:par>
+        <p:cTn id="1" dur="indefinite" restart="never" nodeType="tmRoot">
+          <p:childTnLst>
+            <p:seq concurrent="1" nextAc="seek">
+              <p:cTn id="2" dur="indefinite" nodeType="mainSeq">
+                <p:childTnLst>
+                  <p:par>
+                    <p:cTn id="3" fill="hold">
+                      <p:stCondLst>
+                        <p:cond delay="indefinite"/>
+                      </p:stCondLst>
+                      <p:childTnLst>
+                        <p:par>
+                          <p:cTn id="4" fill="hold">
+                            <p:stCondLst>
+                              <p:cond delay="0"/>
+                            </p:stCondLst>
+                            <p:childTnLst>
+                              <p:par>
+                                <p:cTn id="5" presetID="42" presetClass="entr" presetSubtype="0" fill="hold" nodeType="clickEffect">
+                                  <p:stCondLst>
+                                    <p:cond delay="0"/>
+                                  </p:stCondLst>
+                                  <p:childTnLst>
+                                    <p:set>
+                                      <p:cBhvr>
+                                        <p:cTn id="6" dur="1" fill="hold">
+                                          <p:stCondLst>
+                                            <p:cond delay="0"/>
+                                          </p:stCondLst>
+                                        </p:cTn>
+                                        <p:tgtEl>
+                                          <p:spTgt spid="3">
+                                            <p:txEl>
+                                              <p:pRg st="0" end="0"/>
+                                            </p:txEl>
+                                          </p:spTgt>
+                                        </p:tgtEl>
+                                        <p:attrNameLst>
+                                          <p:attrName>style.visibility</p:attrName>
+                                        </p:attrNameLst>
+                                      </p:cBhvr>
+                                      <p:to>
+                                        <p:strVal val="visible"/>
+                                      </p:to>
+                                    </p:set>
+                                    <p:animEffect transition="in" filter="fade">
+                                      <p:cBhvr>
+                                        <p:cTn id="7" dur="1000"/>
+                                        <p:tgtEl>
+                                          <p:spTgt spid="3">
+                                            <p:txEl>
+                                              <p:pRg st="0" end="0"/>
+                                            </p:txEl>
+                                          </p:spTgt>
+                                        </p:tgtEl>
+                                      </p:cBhvr>
+                                    </p:animEffect>
+                                    <p:anim calcmode="lin" valueType="num">
+                                      <p:cBhvr>
+                                        <p:cTn id="8" dur="1000" fill="hold"/>
+                                        <p:tgtEl>
+                                          <p:spTgt spid="3">
+                                            <p:txEl>
+                                              <p:pRg st="0" end="0"/>
+                                            </p:txEl>
+                                          </p:spTgt>
+                                        </p:tgtEl>
+                                        <p:attrNameLst>
+                                          <p:attrName>ppt_x</p:attrName>
+                                        </p:attrNameLst>
+                                      </p:cBhvr>
+                                      <p:tavLst>
+                                        <p:tav tm="0">
+                                          <p:val>
+                                            <p:strVal val="#ppt_x"/>
+                                          </p:val>
+                                        </p:tav>
+                                        <p:tav tm="100000">
+                                          <p:val>
+                                            <p:strVal val="#ppt_x"/>
+                                          </p:val>
+                                        </p:tav>
+                                      </p:tavLst>
+                                    </p:anim>
+                                    <p:anim calcmode="lin" valueType="num">
+                                      <p:cBhvr>
+                                        <p:cTn id="9" dur="1000" fill="hold"/>
+                                        <p:tgtEl>
+                                          <p:spTgt spid="3">
+                                            <p:txEl>
+                                              <p:pRg st="0" end="0"/>
+                                            </p:txEl>
+                                          </p:spTgt>
+                                        </p:tgtEl>
+                                        <p:attrNameLst>
+                                          <p:attrName>ppt_y</p:attrName>
+                                        </p:attrNameLst>
+                                      </p:cBhvr>
+                                      <p:tavLst>
+                                        <p:tav tm="0">
+                                          <p:val>
+                                            <p:strVal val="#ppt_y+.1"/>
+                                          </p:val>
+                                        </p:tav>
+                                        <p:tav tm="100000">
+                                          <p:val>
+                                            <p:strVal val="#ppt_y"/>
+                                          </p:val>
+                                        </p:tav>
+                                      </p:tavLst>
+                                    </p:anim>
+                                  </p:childTnLst>
+                                </p:cTn>
+                              </p:par>
+                            </p:childTnLst>
+                          </p:cTn>
+                        </p:par>
+                      </p:childTnLst>
+                    </p:cTn>
+                  </p:par>
+                  <p:par>
+                    <p:cTn id="10" fill="hold">
+                      <p:stCondLst>
+                        <p:cond delay="indefinite"/>
+                      </p:stCondLst>
+                      <p:childTnLst>
+                        <p:par>
+                          <p:cTn id="11" fill="hold">
+                            <p:stCondLst>
+                              <p:cond delay="0"/>
+                            </p:stCondLst>
+                            <p:childTnLst>
+                              <p:par>
+                                <p:cTn id="12" presetID="42" presetClass="entr" presetSubtype="0" fill="hold" nodeType="clickEffect">
+                                  <p:stCondLst>
+                                    <p:cond delay="0"/>
+                                  </p:stCondLst>
+                                  <p:childTnLst>
+                                    <p:set>
+                                      <p:cBhvr>
+                                        <p:cTn id="13" dur="1" fill="hold">
+                                          <p:stCondLst>
+                                            <p:cond delay="0"/>
+                                          </p:stCondLst>
+                                        </p:cTn>
+                                        <p:tgtEl>
+                                          <p:spTgt spid="3">
+                                            <p:txEl>
+                                              <p:pRg st="1" end="1"/>
+                                            </p:txEl>
+                                          </p:spTgt>
+                                        </p:tgtEl>
+                                        <p:attrNameLst>
+                                          <p:attrName>style.visibility</p:attrName>
+                                        </p:attrNameLst>
+                                      </p:cBhvr>
+                                      <p:to>
+                                        <p:strVal val="visible"/>
+                                      </p:to>
+                                    </p:set>
+                                    <p:animEffect transition="in" filter="fade">
+                                      <p:cBhvr>
+                                        <p:cTn id="14" dur="1000"/>
+                                        <p:tgtEl>
+                                          <p:spTgt spid="3">
+                                            <p:txEl>
+                                              <p:pRg st="1" end="1"/>
+                                            </p:txEl>
+                                          </p:spTgt>
+                                        </p:tgtEl>
+                                      </p:cBhvr>
+                                    </p:animEffect>
+                                    <p:anim calcmode="lin" valueType="num">
+                                      <p:cBhvr>
+                                        <p:cTn id="15" dur="1000" fill="hold"/>
+                                        <p:tgtEl>
+                                          <p:spTgt spid="3">
+                                            <p:txEl>
+                                              <p:pRg st="1" end="1"/>
+                                            </p:txEl>
+                                          </p:spTgt>
+                                        </p:tgtEl>
+                                        <p:attrNameLst>
+                                          <p:attrName>ppt_x</p:attrName>
+                                        </p:attrNameLst>
+                                      </p:cBhvr>
+                                      <p:tavLst>
+                                        <p:tav tm="0">
+                                          <p:val>
+                                            <p:strVal val="#ppt_x"/>
+                                          </p:val>
+                                        </p:tav>
+                                        <p:tav tm="100000">
+                                          <p:val>
+                                            <p:strVal val="#ppt_x"/>
+                                          </p:val>
+                                        </p:tav>
+                                      </p:tavLst>
+                                    </p:anim>
+                                    <p:anim calcmode="lin" valueType="num">
+                                      <p:cBhvr>
+                                        <p:cTn id="16" dur="1000" fill="hold"/>
+                                        <p:tgtEl>
+                                          <p:spTgt spid="3">
+                                            <p:txEl>
+                                              <p:pRg st="1" end="1"/>
+                                            </p:txEl>
+                                          </p:spTgt>
+                                        </p:tgtEl>
+                                        <p:attrNameLst>
+                                          <p:attrName>ppt_y</p:attrName>
+                                        </p:attrNameLst>
+                                      </p:cBhvr>
+                                      <p:tavLst>
+                                        <p:tav tm="0">
+                                          <p:val>
+                                            <p:strVal val="#ppt_y+.1"/>
+                                          </p:val>
+                                        </p:tav>
+                                        <p:tav tm="100000">
+                                          <p:val>
+                                            <p:strVal val="#ppt_y"/>
+                                          </p:val>
+                                        </p:tav>
+                                      </p:tavLst>
+                                    </p:anim>
+                                  </p:childTnLst>
+                                </p:cTn>
+                              </p:par>
+                            </p:childTnLst>
+                          </p:cTn>
+                        </p:par>
+                      </p:childTnLst>
+                    </p:cTn>
+                  </p:par>
+                  <p:par>
+                    <p:cTn id="17" fill="hold">
+                      <p:stCondLst>
+                        <p:cond delay="indefinite"/>
+                      </p:stCondLst>
+                      <p:childTnLst>
+                        <p:par>
+                          <p:cTn id="18" fill="hold">
+                            <p:stCondLst>
+                              <p:cond delay="0"/>
+                            </p:stCondLst>
+                            <p:childTnLst>
+                              <p:par>
+                                <p:cTn id="19" presetID="42" presetClass="entr" presetSubtype="0" fill="hold" nodeType="clickEffect">
+                                  <p:stCondLst>
+                                    <p:cond delay="0"/>
+                                  </p:stCondLst>
+                                  <p:childTnLst>
+                                    <p:set>
+                                      <p:cBhvr>
+                                        <p:cTn id="20" dur="1" fill="hold">
+                                          <p:stCondLst>
+                                            <p:cond delay="0"/>
+                                          </p:stCondLst>
+                                        </p:cTn>
+                                        <p:tgtEl>
+                                          <p:spTgt spid="3">
+                                            <p:txEl>
+                                              <p:pRg st="2" end="2"/>
+                                            </p:txEl>
+                                          </p:spTgt>
+                                        </p:tgtEl>
+                                        <p:attrNameLst>
+                                          <p:attrName>style.visibility</p:attrName>
+                                        </p:attrNameLst>
+                                      </p:cBhvr>
+                                      <p:to>
+                                        <p:strVal val="visible"/>
+                                      </p:to>
+                                    </p:set>
+                                    <p:animEffect transition="in" filter="fade">
+                                      <p:cBhvr>
+                                        <p:cTn id="21" dur="1000"/>
+                                        <p:tgtEl>
+                                          <p:spTgt spid="3">
+                                            <p:txEl>
+                                              <p:pRg st="2" end="2"/>
+                                            </p:txEl>
+                                          </p:spTgt>
+                                        </p:tgtEl>
+                                      </p:cBhvr>
+                                    </p:animEffect>
+                                    <p:anim calcmode="lin" valueType="num">
+                                      <p:cBhvr>
+                                        <p:cTn id="22" dur="1000" fill="hold"/>
+                                        <p:tgtEl>
+                                          <p:spTgt spid="3">
+                                            <p:txEl>
+                                              <p:pRg st="2" end="2"/>
+                                            </p:txEl>
+                                          </p:spTgt>
+                                        </p:tgtEl>
+                                        <p:attrNameLst>
+                                          <p:attrName>ppt_x</p:attrName>
+                                        </p:attrNameLst>
+                                      </p:cBhvr>
+                                      <p:tavLst>
+                                        <p:tav tm="0">
+                                          <p:val>
+                                            <p:strVal val="#ppt_x"/>
+                                          </p:val>
+                                        </p:tav>
+                                        <p:tav tm="100000">
+                                          <p:val>
+                                            <p:strVal val="#ppt_x"/>
+                                          </p:val>
+                                        </p:tav>
+                                      </p:tavLst>
+                                    </p:anim>
+                                    <p:anim calcmode="lin" valueType="num">
+                                      <p:cBhvr>
+                                        <p:cTn id="23" dur="1000" fill="hold"/>
+                                        <p:tgtEl>
+                                          <p:spTgt spid="3">
+                                            <p:txEl>
+                                              <p:pRg st="2" end="2"/>
+                                            </p:txEl>
+                                          </p:spTgt>
+                                        </p:tgtEl>
+                                        <p:attrNameLst>
+                                          <p:attrName>ppt_y</p:attrName>
+                                        </p:attrNameLst>
+                                      </p:cBhvr>
+                                      <p:tavLst>
+                                        <p:tav tm="0">
+                                          <p:val>
+                                            <p:strVal val="#ppt_y+.1"/>
+                                          </p:val>
+                                        </p:tav>
+                                        <p:tav tm="100000">
+                                          <p:val>
+                                            <p:strVal val="#ppt_y"/>
+                                          </p:val>
+                                        </p:tav>
+                                      </p:tavLst>
+                                    </p:anim>
+                                  </p:childTnLst>
+                                </p:cTn>
+                              </p:par>
+                            </p:childTnLst>
+                          </p:cTn>
+                        </p:par>
+                      </p:childTnLst>
+                    </p:cTn>
+                  </p:par>
+                  <p:par>
+                    <p:cTn id="24" fill="hold">
+                      <p:stCondLst>
+                        <p:cond delay="indefinite"/>
+                      </p:stCondLst>
+                      <p:childTnLst>
+                        <p:par>
+                          <p:cTn id="25" fill="hold">
+                            <p:stCondLst>
+                              <p:cond delay="0"/>
+                            </p:stCondLst>
+                            <p:childTnLst>
+                              <p:par>
+                                <p:cTn id="26" presetID="42" presetClass="entr" presetSubtype="0" fill="hold" nodeType="clickEffect">
+                                  <p:stCondLst>
+                                    <p:cond delay="0"/>
+                                  </p:stCondLst>
+                                  <p:childTnLst>
+                                    <p:set>
+                                      <p:cBhvr>
+                                        <p:cTn id="27" dur="1" fill="hold">
+                                          <p:stCondLst>
+                                            <p:cond delay="0"/>
+                                          </p:stCondLst>
+                                        </p:cTn>
+                                        <p:tgtEl>
+                                          <p:spTgt spid="3">
+                                            <p:txEl>
+                                              <p:pRg st="3" end="3"/>
+                                            </p:txEl>
+                                          </p:spTgt>
+                                        </p:tgtEl>
+                                        <p:attrNameLst>
+                                          <p:attrName>style.visibility</p:attrName>
+                                        </p:attrNameLst>
+                                      </p:cBhvr>
+                                      <p:to>
+                                        <p:strVal val="visible"/>
+                                      </p:to>
+                                    </p:set>
+                                    <p:animEffect transition="in" filter="fade">
+                                      <p:cBhvr>
+                                        <p:cTn id="28" dur="1000"/>
+                                        <p:tgtEl>
+                                          <p:spTgt spid="3">
+                                            <p:txEl>
+                                              <p:pRg st="3" end="3"/>
+                                            </p:txEl>
+                                          </p:spTgt>
+                                        </p:tgtEl>
+                                      </p:cBhvr>
+                                    </p:animEffect>
+                                    <p:anim calcmode="lin" valueType="num">
+                                      <p:cBhvr>
+                                        <p:cTn id="29" dur="1000" fill="hold"/>
+                                        <p:tgtEl>
+                                          <p:spTgt spid="3">
+                                            <p:txEl>
+                                              <p:pRg st="3" end="3"/>
+                                            </p:txEl>
+                                          </p:spTgt>
+                                        </p:tgtEl>
+                                        <p:attrNameLst>
+                                          <p:attrName>ppt_x</p:attrName>
+                                        </p:attrNameLst>
+                                      </p:cBhvr>
+                                      <p:tavLst>
+                                        <p:tav tm="0">
+                                          <p:val>
+                                            <p:strVal val="#ppt_x"/>
+                                          </p:val>
+                                        </p:tav>
+                                        <p:tav tm="100000">
+                                          <p:val>
+                                            <p:strVal val="#ppt_x"/>
+                                          </p:val>
+                                        </p:tav>
+                                      </p:tavLst>
+                                    </p:anim>
+                                    <p:anim calcmode="lin" valueType="num">
+                                      <p:cBhvr>
+                                        <p:cTn id="30" dur="1000" fill="hold"/>
+                                        <p:tgtEl>
+                                          <p:spTgt spid="3">
+                                            <p:txEl>
+                                              <p:pRg st="3" end="3"/>
+                                            </p:txEl>
+                                          </p:spTgt>
+                                        </p:tgtEl>
+                                        <p:attrNameLst>
+                                          <p:attrName>ppt_y</p:attrName>
+                                        </p:attrNameLst>
+                                      </p:cBhvr>
+                                      <p:tavLst>
+                                        <p:tav tm="0">
+                                          <p:val>
+                                            <p:strVal val="#ppt_y+.1"/>
+                                          </p:val>
+                                        </p:tav>
+                                        <p:tav tm="100000">
+                                          <p:val>
+                                            <p:strVal val="#ppt_y"/>
+                                          </p:val>
+                                        </p:tav>
+                                      </p:tavLst>
+                                    </p:anim>
+                                  </p:childTnLst>
+                                </p:cTn>
+                              </p:par>
+                            </p:childTnLst>
+                          </p:cTn>
+                        </p:par>
+                      </p:childTnLst>
+                    </p:cTn>
+                  </p:par>
+                  <p:par>
+                    <p:cTn id="31" fill="hold">
+                      <p:stCondLst>
+                        <p:cond delay="indefinite"/>
+                      </p:stCondLst>
+                      <p:childTnLst>
+                        <p:par>
+                          <p:cTn id="32" fill="hold">
+                            <p:stCondLst>
+                              <p:cond delay="0"/>
+                            </p:stCondLst>
+                            <p:childTnLst>
+                              <p:par>
+                                <p:cTn id="33" presetID="42" presetClass="entr" presetSubtype="0" fill="hold" nodeType="clickEffect">
+                                  <p:stCondLst>
+                                    <p:cond delay="0"/>
+                                  </p:stCondLst>
+                                  <p:childTnLst>
+                                    <p:set>
+                                      <p:cBhvr>
+                                        <p:cTn id="34" dur="1" fill="hold">
+                                          <p:stCondLst>
+                                            <p:cond delay="0"/>
+                                          </p:stCondLst>
+                                        </p:cTn>
+                                        <p:tgtEl>
+                                          <p:spTgt spid="3">
+                                            <p:txEl>
+                                              <p:pRg st="4" end="4"/>
+                                            </p:txEl>
+                                          </p:spTgt>
+                                        </p:tgtEl>
+                                        <p:attrNameLst>
+                                          <p:attrName>style.visibility</p:attrName>
+                                        </p:attrNameLst>
+                                      </p:cBhvr>
+                                      <p:to>
+                                        <p:strVal val="visible"/>
+                                      </p:to>
+                                    </p:set>
+                                    <p:animEffect transition="in" filter="fade">
+                                      <p:cBhvr>
+                                        <p:cTn id="35" dur="1000"/>
+                                        <p:tgtEl>
+                                          <p:spTgt spid="3">
+                                            <p:txEl>
+                                              <p:pRg st="4" end="4"/>
+                                            </p:txEl>
+                                          </p:spTgt>
+                                        </p:tgtEl>
+                                      </p:cBhvr>
+                                    </p:animEffect>
+                                    <p:anim calcmode="lin" valueType="num">
+                                      <p:cBhvr>
+                                        <p:cTn id="36" dur="1000" fill="hold"/>
+                                        <p:tgtEl>
+                                          <p:spTgt spid="3">
+                                            <p:txEl>
+                                              <p:pRg st="4" end="4"/>
+                                            </p:txEl>
+                                          </p:spTgt>
+                                        </p:tgtEl>
+                                        <p:attrNameLst>
+                                          <p:attrName>ppt_x</p:attrName>
+                                        </p:attrNameLst>
+                                      </p:cBhvr>
+                                      <p:tavLst>
+                                        <p:tav tm="0">
+                                          <p:val>
+                                            <p:strVal val="#ppt_x"/>
+                                          </p:val>
+                                        </p:tav>
+                                        <p:tav tm="100000">
+                                          <p:val>
+                                            <p:strVal val="#ppt_x"/>
+                                          </p:val>
+                                        </p:tav>
+                                      </p:tavLst>
+                                    </p:anim>
+                                    <p:anim calcmode="lin" valueType="num">
+                                      <p:cBhvr>
+                                        <p:cTn id="37" dur="1000" fill="hold"/>
+                                        <p:tgtEl>
+                                          <p:spTgt spid="3">
+                                            <p:txEl>
+                                              <p:pRg st="4" end="4"/>
                                             </p:txEl>
                                           </p:spTgt>
                                         </p:tgtEl>

--- a/DevSecOps V1.1.pptx
+++ b/DevSecOps V1.1.pptx
@@ -7,10 +7,10 @@
     <p:sldMasterId id="2147483753" r:id="rId3"/>
   </p:sldMasterIdLst>
   <p:notesMasterIdLst>
-    <p:notesMasterId r:id="rId13"/>
+    <p:notesMasterId r:id="rId14"/>
   </p:notesMasterIdLst>
   <p:handoutMasterIdLst>
-    <p:handoutMasterId r:id="rId14"/>
+    <p:handoutMasterId r:id="rId15"/>
   </p:handoutMasterIdLst>
   <p:sldIdLst>
     <p:sldId id="866" r:id="rId4"/>
@@ -22,6 +22,7 @@
     <p:sldId id="896" r:id="rId10"/>
     <p:sldId id="897" r:id="rId11"/>
     <p:sldId id="898" r:id="rId12"/>
+    <p:sldId id="899" r:id="rId13"/>
   </p:sldIdLst>
   <p:sldSz cx="12192000" cy="6858000"/>
   <p:notesSz cx="6858000" cy="9144000"/>
@@ -134,6 +135,7 @@
             <p14:sldId id="896"/>
             <p14:sldId id="897"/>
             <p14:sldId id="898"/>
+            <p14:sldId id="899"/>
           </p14:sldIdLst>
         </p14:section>
         <p14:section name="CREDITS &amp; COPYRIGHTS" id="{96A22112-93F8-4FC4-92DC-51B794962ED1}">
@@ -311,7 +313,7 @@
             <a:fld id="{EA33B4B9-AFB0-43EB-82AF-ED70AC262E4F}" type="datetimeFigureOut">
               <a:rPr lang="en-US" smtClean="0"/>
               <a:pPr/>
-              <a:t>10/21/2022</a:t>
+              <a:t>10/27/2022</a:t>
             </a:fld>
             <a:endParaRPr lang="en-US"/>
           </a:p>
@@ -479,7 +481,7 @@
             <a:fld id="{3D31E77A-DD07-4A76-801D-B4BF4990C412}" type="datetimeFigureOut">
               <a:rPr lang="en-US" smtClean="0"/>
               <a:pPr/>
-              <a:t>10/21/2022</a:t>
+              <a:t>10/27/2022</a:t>
             </a:fld>
             <a:endParaRPr lang="en-US"/>
           </a:p>
@@ -19841,6 +19843,884 @@
   <p:clrMapOvr>
     <a:masterClrMapping/>
   </p:clrMapOvr>
+</p:sld>
+</file>
+
+<file path=ppt/slides/slide10.xml><?xml version="1.0" encoding="utf-8"?>
+<p:sld xmlns:a="http://schemas.openxmlformats.org/drawingml/2006/main" xmlns:r="http://schemas.openxmlformats.org/officeDocument/2006/relationships" xmlns:p="http://schemas.openxmlformats.org/presentationml/2006/main">
+  <p:cSld>
+    <p:spTree>
+      <p:nvGrpSpPr>
+        <p:cNvPr id="1" name=""/>
+        <p:cNvGrpSpPr/>
+        <p:nvPr/>
+      </p:nvGrpSpPr>
+      <p:grpSpPr>
+        <a:xfrm>
+          <a:off x="0" y="0"/>
+          <a:ext cx="0" cy="0"/>
+          <a:chOff x="0" y="0"/>
+          <a:chExt cx="0" cy="0"/>
+        </a:xfrm>
+      </p:grpSpPr>
+      <p:sp>
+        <p:nvSpPr>
+          <p:cNvPr id="2" name="Title 1">
+            <a:extLst>
+              <a:ext uri="{FF2B5EF4-FFF2-40B4-BE49-F238E27FC236}">
+                <a16:creationId xmlns:a16="http://schemas.microsoft.com/office/drawing/2014/main" id="{F62BD586-2E67-BD1F-3EAC-BBAA6F680668}"/>
+              </a:ext>
+            </a:extLst>
+          </p:cNvPr>
+          <p:cNvSpPr>
+            <a:spLocks noGrp="1"/>
+          </p:cNvSpPr>
+          <p:nvPr>
+            <p:ph type="title"/>
+          </p:nvPr>
+        </p:nvSpPr>
+        <p:spPr/>
+        <p:txBody>
+          <a:bodyPr/>
+          <a:lstStyle/>
+          <a:p>
+            <a:r>
+              <a:rPr lang="en-US" dirty="0"/>
+              <a:t>Docker Installation</a:t>
+            </a:r>
+          </a:p>
+        </p:txBody>
+      </p:sp>
+      <p:sp>
+        <p:nvSpPr>
+          <p:cNvPr id="3" name="Content Placeholder 2">
+            <a:extLst>
+              <a:ext uri="{FF2B5EF4-FFF2-40B4-BE49-F238E27FC236}">
+                <a16:creationId xmlns:a16="http://schemas.microsoft.com/office/drawing/2014/main" id="{B8521976-B87D-AA4F-1BFC-9FC84F9373D5}"/>
+              </a:ext>
+            </a:extLst>
+          </p:cNvPr>
+          <p:cNvSpPr>
+            <a:spLocks noGrp="1"/>
+          </p:cNvSpPr>
+          <p:nvPr>
+            <p:ph idx="1"/>
+          </p:nvPr>
+        </p:nvSpPr>
+        <p:spPr/>
+        <p:txBody>
+          <a:bodyPr>
+            <a:normAutofit/>
+          </a:bodyPr>
+          <a:lstStyle/>
+          <a:p>
+            <a:r>
+              <a:rPr lang="en-US" dirty="0"/>
+              <a:t>Install Docker on Ubuntu VM</a:t>
+            </a:r>
+          </a:p>
+          <a:p>
+            <a:pPr marL="457200" lvl="1" indent="0">
+              <a:buNone/>
+            </a:pPr>
+            <a:r>
+              <a:rPr lang="en-US" dirty="0"/>
+              <a:t>Method 1: Install Docker From apt Repository</a:t>
+            </a:r>
+          </a:p>
+          <a:p>
+            <a:pPr marL="457200" lvl="1" indent="0">
+              <a:buNone/>
+            </a:pPr>
+            <a:r>
+              <a:rPr lang="en-US" dirty="0"/>
+              <a:t>Method 2: Installing the latest Docker release</a:t>
+            </a:r>
+          </a:p>
+          <a:p>
+            <a:r>
+              <a:rPr lang="en-US" dirty="0"/>
+              <a:t>Validate Docker Installation</a:t>
+            </a:r>
+          </a:p>
+          <a:p>
+            <a:r>
+              <a:rPr lang="en-US" dirty="0"/>
+              <a:t>Pull a Docker Base Image</a:t>
+            </a:r>
+          </a:p>
+          <a:p>
+            <a:r>
+              <a:rPr lang="en-US" dirty="0"/>
+              <a:t>Run a </a:t>
+            </a:r>
+            <a:r>
+              <a:rPr lang="en-US"/>
+              <a:t>Docker Container</a:t>
+            </a:r>
+            <a:endParaRPr lang="en-US" dirty="0"/>
+          </a:p>
+        </p:txBody>
+      </p:sp>
+      <p:sp>
+        <p:nvSpPr>
+          <p:cNvPr id="6" name="Slide Number Placeholder 5">
+            <a:extLst>
+              <a:ext uri="{FF2B5EF4-FFF2-40B4-BE49-F238E27FC236}">
+                <a16:creationId xmlns:a16="http://schemas.microsoft.com/office/drawing/2014/main" id="{64AAFC49-0020-316C-2EEB-F0198A6D7966}"/>
+              </a:ext>
+            </a:extLst>
+          </p:cNvPr>
+          <p:cNvSpPr>
+            <a:spLocks noGrp="1"/>
+          </p:cNvSpPr>
+          <p:nvPr>
+            <p:ph type="sldNum" sz="quarter" idx="12"/>
+          </p:nvPr>
+        </p:nvSpPr>
+        <p:spPr/>
+        <p:txBody>
+          <a:bodyPr/>
+          <a:lstStyle/>
+          <a:p>
+            <a:fld id="{D325CB3F-26C9-44D7-A7CB-40F86C5CE4B1}" type="slidenum">
+              <a:rPr lang="en-US" smtClean="0"/>
+              <a:t>10</a:t>
+            </a:fld>
+            <a:endParaRPr lang="en-US"/>
+          </a:p>
+        </p:txBody>
+      </p:sp>
+    </p:spTree>
+    <p:extLst>
+      <p:ext uri="{BB962C8B-B14F-4D97-AF65-F5344CB8AC3E}">
+        <p14:creationId xmlns:p14="http://schemas.microsoft.com/office/powerpoint/2010/main" val="1960978841"/>
+      </p:ext>
+    </p:extLst>
+  </p:cSld>
+  <p:clrMapOvr>
+    <a:masterClrMapping/>
+  </p:clrMapOvr>
+  <p:timing>
+    <p:tnLst>
+      <p:par>
+        <p:cTn id="1" dur="indefinite" restart="never" nodeType="tmRoot">
+          <p:childTnLst>
+            <p:seq concurrent="1" nextAc="seek">
+              <p:cTn id="2" dur="indefinite" nodeType="mainSeq">
+                <p:childTnLst>
+                  <p:par>
+                    <p:cTn id="3" fill="hold">
+                      <p:stCondLst>
+                        <p:cond delay="indefinite"/>
+                      </p:stCondLst>
+                      <p:childTnLst>
+                        <p:par>
+                          <p:cTn id="4" fill="hold">
+                            <p:stCondLst>
+                              <p:cond delay="0"/>
+                            </p:stCondLst>
+                            <p:childTnLst>
+                              <p:par>
+                                <p:cTn id="5" presetID="42" presetClass="entr" presetSubtype="0" fill="hold" nodeType="clickEffect">
+                                  <p:stCondLst>
+                                    <p:cond delay="0"/>
+                                  </p:stCondLst>
+                                  <p:childTnLst>
+                                    <p:set>
+                                      <p:cBhvr>
+                                        <p:cTn id="6" dur="1" fill="hold">
+                                          <p:stCondLst>
+                                            <p:cond delay="0"/>
+                                          </p:stCondLst>
+                                        </p:cTn>
+                                        <p:tgtEl>
+                                          <p:spTgt spid="3">
+                                            <p:txEl>
+                                              <p:pRg st="0" end="0"/>
+                                            </p:txEl>
+                                          </p:spTgt>
+                                        </p:tgtEl>
+                                        <p:attrNameLst>
+                                          <p:attrName>style.visibility</p:attrName>
+                                        </p:attrNameLst>
+                                      </p:cBhvr>
+                                      <p:to>
+                                        <p:strVal val="visible"/>
+                                      </p:to>
+                                    </p:set>
+                                    <p:animEffect transition="in" filter="fade">
+                                      <p:cBhvr>
+                                        <p:cTn id="7" dur="1000"/>
+                                        <p:tgtEl>
+                                          <p:spTgt spid="3">
+                                            <p:txEl>
+                                              <p:pRg st="0" end="0"/>
+                                            </p:txEl>
+                                          </p:spTgt>
+                                        </p:tgtEl>
+                                      </p:cBhvr>
+                                    </p:animEffect>
+                                    <p:anim calcmode="lin" valueType="num">
+                                      <p:cBhvr>
+                                        <p:cTn id="8" dur="1000" fill="hold"/>
+                                        <p:tgtEl>
+                                          <p:spTgt spid="3">
+                                            <p:txEl>
+                                              <p:pRg st="0" end="0"/>
+                                            </p:txEl>
+                                          </p:spTgt>
+                                        </p:tgtEl>
+                                        <p:attrNameLst>
+                                          <p:attrName>ppt_x</p:attrName>
+                                        </p:attrNameLst>
+                                      </p:cBhvr>
+                                      <p:tavLst>
+                                        <p:tav tm="0">
+                                          <p:val>
+                                            <p:strVal val="#ppt_x"/>
+                                          </p:val>
+                                        </p:tav>
+                                        <p:tav tm="100000">
+                                          <p:val>
+                                            <p:strVal val="#ppt_x"/>
+                                          </p:val>
+                                        </p:tav>
+                                      </p:tavLst>
+                                    </p:anim>
+                                    <p:anim calcmode="lin" valueType="num">
+                                      <p:cBhvr>
+                                        <p:cTn id="9" dur="1000" fill="hold"/>
+                                        <p:tgtEl>
+                                          <p:spTgt spid="3">
+                                            <p:txEl>
+                                              <p:pRg st="0" end="0"/>
+                                            </p:txEl>
+                                          </p:spTgt>
+                                        </p:tgtEl>
+                                        <p:attrNameLst>
+                                          <p:attrName>ppt_y</p:attrName>
+                                        </p:attrNameLst>
+                                      </p:cBhvr>
+                                      <p:tavLst>
+                                        <p:tav tm="0">
+                                          <p:val>
+                                            <p:strVal val="#ppt_y+.1"/>
+                                          </p:val>
+                                        </p:tav>
+                                        <p:tav tm="100000">
+                                          <p:val>
+                                            <p:strVal val="#ppt_y"/>
+                                          </p:val>
+                                        </p:tav>
+                                      </p:tavLst>
+                                    </p:anim>
+                                  </p:childTnLst>
+                                </p:cTn>
+                              </p:par>
+                            </p:childTnLst>
+                          </p:cTn>
+                        </p:par>
+                      </p:childTnLst>
+                    </p:cTn>
+                  </p:par>
+                  <p:par>
+                    <p:cTn id="10" fill="hold">
+                      <p:stCondLst>
+                        <p:cond delay="indefinite"/>
+                      </p:stCondLst>
+                      <p:childTnLst>
+                        <p:par>
+                          <p:cTn id="11" fill="hold">
+                            <p:stCondLst>
+                              <p:cond delay="0"/>
+                            </p:stCondLst>
+                            <p:childTnLst>
+                              <p:par>
+                                <p:cTn id="12" presetID="42" presetClass="entr" presetSubtype="0" fill="hold" nodeType="clickEffect">
+                                  <p:stCondLst>
+                                    <p:cond delay="0"/>
+                                  </p:stCondLst>
+                                  <p:childTnLst>
+                                    <p:set>
+                                      <p:cBhvr>
+                                        <p:cTn id="13" dur="1" fill="hold">
+                                          <p:stCondLst>
+                                            <p:cond delay="0"/>
+                                          </p:stCondLst>
+                                        </p:cTn>
+                                        <p:tgtEl>
+                                          <p:spTgt spid="3">
+                                            <p:txEl>
+                                              <p:pRg st="1" end="1"/>
+                                            </p:txEl>
+                                          </p:spTgt>
+                                        </p:tgtEl>
+                                        <p:attrNameLst>
+                                          <p:attrName>style.visibility</p:attrName>
+                                        </p:attrNameLst>
+                                      </p:cBhvr>
+                                      <p:to>
+                                        <p:strVal val="visible"/>
+                                      </p:to>
+                                    </p:set>
+                                    <p:animEffect transition="in" filter="fade">
+                                      <p:cBhvr>
+                                        <p:cTn id="14" dur="1000"/>
+                                        <p:tgtEl>
+                                          <p:spTgt spid="3">
+                                            <p:txEl>
+                                              <p:pRg st="1" end="1"/>
+                                            </p:txEl>
+                                          </p:spTgt>
+                                        </p:tgtEl>
+                                      </p:cBhvr>
+                                    </p:animEffect>
+                                    <p:anim calcmode="lin" valueType="num">
+                                      <p:cBhvr>
+                                        <p:cTn id="15" dur="1000" fill="hold"/>
+                                        <p:tgtEl>
+                                          <p:spTgt spid="3">
+                                            <p:txEl>
+                                              <p:pRg st="1" end="1"/>
+                                            </p:txEl>
+                                          </p:spTgt>
+                                        </p:tgtEl>
+                                        <p:attrNameLst>
+                                          <p:attrName>ppt_x</p:attrName>
+                                        </p:attrNameLst>
+                                      </p:cBhvr>
+                                      <p:tavLst>
+                                        <p:tav tm="0">
+                                          <p:val>
+                                            <p:strVal val="#ppt_x"/>
+                                          </p:val>
+                                        </p:tav>
+                                        <p:tav tm="100000">
+                                          <p:val>
+                                            <p:strVal val="#ppt_x"/>
+                                          </p:val>
+                                        </p:tav>
+                                      </p:tavLst>
+                                    </p:anim>
+                                    <p:anim calcmode="lin" valueType="num">
+                                      <p:cBhvr>
+                                        <p:cTn id="16" dur="1000" fill="hold"/>
+                                        <p:tgtEl>
+                                          <p:spTgt spid="3">
+                                            <p:txEl>
+                                              <p:pRg st="1" end="1"/>
+                                            </p:txEl>
+                                          </p:spTgt>
+                                        </p:tgtEl>
+                                        <p:attrNameLst>
+                                          <p:attrName>ppt_y</p:attrName>
+                                        </p:attrNameLst>
+                                      </p:cBhvr>
+                                      <p:tavLst>
+                                        <p:tav tm="0">
+                                          <p:val>
+                                            <p:strVal val="#ppt_y+.1"/>
+                                          </p:val>
+                                        </p:tav>
+                                        <p:tav tm="100000">
+                                          <p:val>
+                                            <p:strVal val="#ppt_y"/>
+                                          </p:val>
+                                        </p:tav>
+                                      </p:tavLst>
+                                    </p:anim>
+                                  </p:childTnLst>
+                                </p:cTn>
+                              </p:par>
+                            </p:childTnLst>
+                          </p:cTn>
+                        </p:par>
+                      </p:childTnLst>
+                    </p:cTn>
+                  </p:par>
+                  <p:par>
+                    <p:cTn id="17" fill="hold">
+                      <p:stCondLst>
+                        <p:cond delay="indefinite"/>
+                      </p:stCondLst>
+                      <p:childTnLst>
+                        <p:par>
+                          <p:cTn id="18" fill="hold">
+                            <p:stCondLst>
+                              <p:cond delay="0"/>
+                            </p:stCondLst>
+                            <p:childTnLst>
+                              <p:par>
+                                <p:cTn id="19" presetID="42" presetClass="entr" presetSubtype="0" fill="hold" nodeType="clickEffect">
+                                  <p:stCondLst>
+                                    <p:cond delay="0"/>
+                                  </p:stCondLst>
+                                  <p:childTnLst>
+                                    <p:set>
+                                      <p:cBhvr>
+                                        <p:cTn id="20" dur="1" fill="hold">
+                                          <p:stCondLst>
+                                            <p:cond delay="0"/>
+                                          </p:stCondLst>
+                                        </p:cTn>
+                                        <p:tgtEl>
+                                          <p:spTgt spid="3">
+                                            <p:txEl>
+                                              <p:pRg st="2" end="2"/>
+                                            </p:txEl>
+                                          </p:spTgt>
+                                        </p:tgtEl>
+                                        <p:attrNameLst>
+                                          <p:attrName>style.visibility</p:attrName>
+                                        </p:attrNameLst>
+                                      </p:cBhvr>
+                                      <p:to>
+                                        <p:strVal val="visible"/>
+                                      </p:to>
+                                    </p:set>
+                                    <p:animEffect transition="in" filter="fade">
+                                      <p:cBhvr>
+                                        <p:cTn id="21" dur="1000"/>
+                                        <p:tgtEl>
+                                          <p:spTgt spid="3">
+                                            <p:txEl>
+                                              <p:pRg st="2" end="2"/>
+                                            </p:txEl>
+                                          </p:spTgt>
+                                        </p:tgtEl>
+                                      </p:cBhvr>
+                                    </p:animEffect>
+                                    <p:anim calcmode="lin" valueType="num">
+                                      <p:cBhvr>
+                                        <p:cTn id="22" dur="1000" fill="hold"/>
+                                        <p:tgtEl>
+                                          <p:spTgt spid="3">
+                                            <p:txEl>
+                                              <p:pRg st="2" end="2"/>
+                                            </p:txEl>
+                                          </p:spTgt>
+                                        </p:tgtEl>
+                                        <p:attrNameLst>
+                                          <p:attrName>ppt_x</p:attrName>
+                                        </p:attrNameLst>
+                                      </p:cBhvr>
+                                      <p:tavLst>
+                                        <p:tav tm="0">
+                                          <p:val>
+                                            <p:strVal val="#ppt_x"/>
+                                          </p:val>
+                                        </p:tav>
+                                        <p:tav tm="100000">
+                                          <p:val>
+                                            <p:strVal val="#ppt_x"/>
+                                          </p:val>
+                                        </p:tav>
+                                      </p:tavLst>
+                                    </p:anim>
+                                    <p:anim calcmode="lin" valueType="num">
+                                      <p:cBhvr>
+                                        <p:cTn id="23" dur="1000" fill="hold"/>
+                                        <p:tgtEl>
+                                          <p:spTgt spid="3">
+                                            <p:txEl>
+                                              <p:pRg st="2" end="2"/>
+                                            </p:txEl>
+                                          </p:spTgt>
+                                        </p:tgtEl>
+                                        <p:attrNameLst>
+                                          <p:attrName>ppt_y</p:attrName>
+                                        </p:attrNameLst>
+                                      </p:cBhvr>
+                                      <p:tavLst>
+                                        <p:tav tm="0">
+                                          <p:val>
+                                            <p:strVal val="#ppt_y+.1"/>
+                                          </p:val>
+                                        </p:tav>
+                                        <p:tav tm="100000">
+                                          <p:val>
+                                            <p:strVal val="#ppt_y"/>
+                                          </p:val>
+                                        </p:tav>
+                                      </p:tavLst>
+                                    </p:anim>
+                                  </p:childTnLst>
+                                </p:cTn>
+                              </p:par>
+                            </p:childTnLst>
+                          </p:cTn>
+                        </p:par>
+                      </p:childTnLst>
+                    </p:cTn>
+                  </p:par>
+                  <p:par>
+                    <p:cTn id="24" fill="hold">
+                      <p:stCondLst>
+                        <p:cond delay="indefinite"/>
+                      </p:stCondLst>
+                      <p:childTnLst>
+                        <p:par>
+                          <p:cTn id="25" fill="hold">
+                            <p:stCondLst>
+                              <p:cond delay="0"/>
+                            </p:stCondLst>
+                            <p:childTnLst>
+                              <p:par>
+                                <p:cTn id="26" presetID="42" presetClass="entr" presetSubtype="0" fill="hold" nodeType="clickEffect">
+                                  <p:stCondLst>
+                                    <p:cond delay="0"/>
+                                  </p:stCondLst>
+                                  <p:childTnLst>
+                                    <p:set>
+                                      <p:cBhvr>
+                                        <p:cTn id="27" dur="1" fill="hold">
+                                          <p:stCondLst>
+                                            <p:cond delay="0"/>
+                                          </p:stCondLst>
+                                        </p:cTn>
+                                        <p:tgtEl>
+                                          <p:spTgt spid="3">
+                                            <p:txEl>
+                                              <p:pRg st="3" end="3"/>
+                                            </p:txEl>
+                                          </p:spTgt>
+                                        </p:tgtEl>
+                                        <p:attrNameLst>
+                                          <p:attrName>style.visibility</p:attrName>
+                                        </p:attrNameLst>
+                                      </p:cBhvr>
+                                      <p:to>
+                                        <p:strVal val="visible"/>
+                                      </p:to>
+                                    </p:set>
+                                    <p:animEffect transition="in" filter="fade">
+                                      <p:cBhvr>
+                                        <p:cTn id="28" dur="1000"/>
+                                        <p:tgtEl>
+                                          <p:spTgt spid="3">
+                                            <p:txEl>
+                                              <p:pRg st="3" end="3"/>
+                                            </p:txEl>
+                                          </p:spTgt>
+                                        </p:tgtEl>
+                                      </p:cBhvr>
+                                    </p:animEffect>
+                                    <p:anim calcmode="lin" valueType="num">
+                                      <p:cBhvr>
+                                        <p:cTn id="29" dur="1000" fill="hold"/>
+                                        <p:tgtEl>
+                                          <p:spTgt spid="3">
+                                            <p:txEl>
+                                              <p:pRg st="3" end="3"/>
+                                            </p:txEl>
+                                          </p:spTgt>
+                                        </p:tgtEl>
+                                        <p:attrNameLst>
+                                          <p:attrName>ppt_x</p:attrName>
+                                        </p:attrNameLst>
+                                      </p:cBhvr>
+                                      <p:tavLst>
+                                        <p:tav tm="0">
+                                          <p:val>
+                                            <p:strVal val="#ppt_x"/>
+                                          </p:val>
+                                        </p:tav>
+                                        <p:tav tm="100000">
+                                          <p:val>
+                                            <p:strVal val="#ppt_x"/>
+                                          </p:val>
+                                        </p:tav>
+                                      </p:tavLst>
+                                    </p:anim>
+                                    <p:anim calcmode="lin" valueType="num">
+                                      <p:cBhvr>
+                                        <p:cTn id="30" dur="1000" fill="hold"/>
+                                        <p:tgtEl>
+                                          <p:spTgt spid="3">
+                                            <p:txEl>
+                                              <p:pRg st="3" end="3"/>
+                                            </p:txEl>
+                                          </p:spTgt>
+                                        </p:tgtEl>
+                                        <p:attrNameLst>
+                                          <p:attrName>ppt_y</p:attrName>
+                                        </p:attrNameLst>
+                                      </p:cBhvr>
+                                      <p:tavLst>
+                                        <p:tav tm="0">
+                                          <p:val>
+                                            <p:strVal val="#ppt_y+.1"/>
+                                          </p:val>
+                                        </p:tav>
+                                        <p:tav tm="100000">
+                                          <p:val>
+                                            <p:strVal val="#ppt_y"/>
+                                          </p:val>
+                                        </p:tav>
+                                      </p:tavLst>
+                                    </p:anim>
+                                  </p:childTnLst>
+                                </p:cTn>
+                              </p:par>
+                            </p:childTnLst>
+                          </p:cTn>
+                        </p:par>
+                      </p:childTnLst>
+                    </p:cTn>
+                  </p:par>
+                  <p:par>
+                    <p:cTn id="31" fill="hold">
+                      <p:stCondLst>
+                        <p:cond delay="indefinite"/>
+                      </p:stCondLst>
+                      <p:childTnLst>
+                        <p:par>
+                          <p:cTn id="32" fill="hold">
+                            <p:stCondLst>
+                              <p:cond delay="0"/>
+                            </p:stCondLst>
+                            <p:childTnLst>
+                              <p:par>
+                                <p:cTn id="33" presetID="42" presetClass="entr" presetSubtype="0" fill="hold" nodeType="clickEffect">
+                                  <p:stCondLst>
+                                    <p:cond delay="0"/>
+                                  </p:stCondLst>
+                                  <p:childTnLst>
+                                    <p:set>
+                                      <p:cBhvr>
+                                        <p:cTn id="34" dur="1" fill="hold">
+                                          <p:stCondLst>
+                                            <p:cond delay="0"/>
+                                          </p:stCondLst>
+                                        </p:cTn>
+                                        <p:tgtEl>
+                                          <p:spTgt spid="3">
+                                            <p:txEl>
+                                              <p:pRg st="4" end="4"/>
+                                            </p:txEl>
+                                          </p:spTgt>
+                                        </p:tgtEl>
+                                        <p:attrNameLst>
+                                          <p:attrName>style.visibility</p:attrName>
+                                        </p:attrNameLst>
+                                      </p:cBhvr>
+                                      <p:to>
+                                        <p:strVal val="visible"/>
+                                      </p:to>
+                                    </p:set>
+                                    <p:animEffect transition="in" filter="fade">
+                                      <p:cBhvr>
+                                        <p:cTn id="35" dur="1000"/>
+                                        <p:tgtEl>
+                                          <p:spTgt spid="3">
+                                            <p:txEl>
+                                              <p:pRg st="4" end="4"/>
+                                            </p:txEl>
+                                          </p:spTgt>
+                                        </p:tgtEl>
+                                      </p:cBhvr>
+                                    </p:animEffect>
+                                    <p:anim calcmode="lin" valueType="num">
+                                      <p:cBhvr>
+                                        <p:cTn id="36" dur="1000" fill="hold"/>
+                                        <p:tgtEl>
+                                          <p:spTgt spid="3">
+                                            <p:txEl>
+                                              <p:pRg st="4" end="4"/>
+                                            </p:txEl>
+                                          </p:spTgt>
+                                        </p:tgtEl>
+                                        <p:attrNameLst>
+                                          <p:attrName>ppt_x</p:attrName>
+                                        </p:attrNameLst>
+                                      </p:cBhvr>
+                                      <p:tavLst>
+                                        <p:tav tm="0">
+                                          <p:val>
+                                            <p:strVal val="#ppt_x"/>
+                                          </p:val>
+                                        </p:tav>
+                                        <p:tav tm="100000">
+                                          <p:val>
+                                            <p:strVal val="#ppt_x"/>
+                                          </p:val>
+                                        </p:tav>
+                                      </p:tavLst>
+                                    </p:anim>
+                                    <p:anim calcmode="lin" valueType="num">
+                                      <p:cBhvr>
+                                        <p:cTn id="37" dur="1000" fill="hold"/>
+                                        <p:tgtEl>
+                                          <p:spTgt spid="3">
+                                            <p:txEl>
+                                              <p:pRg st="4" end="4"/>
+                                            </p:txEl>
+                                          </p:spTgt>
+                                        </p:tgtEl>
+                                        <p:attrNameLst>
+                                          <p:attrName>ppt_y</p:attrName>
+                                        </p:attrNameLst>
+                                      </p:cBhvr>
+                                      <p:tavLst>
+                                        <p:tav tm="0">
+                                          <p:val>
+                                            <p:strVal val="#ppt_y+.1"/>
+                                          </p:val>
+                                        </p:tav>
+                                        <p:tav tm="100000">
+                                          <p:val>
+                                            <p:strVal val="#ppt_y"/>
+                                          </p:val>
+                                        </p:tav>
+                                      </p:tavLst>
+                                    </p:anim>
+                                  </p:childTnLst>
+                                </p:cTn>
+                              </p:par>
+                            </p:childTnLst>
+                          </p:cTn>
+                        </p:par>
+                      </p:childTnLst>
+                    </p:cTn>
+                  </p:par>
+                  <p:par>
+                    <p:cTn id="38" fill="hold">
+                      <p:stCondLst>
+                        <p:cond delay="indefinite"/>
+                      </p:stCondLst>
+                      <p:childTnLst>
+                        <p:par>
+                          <p:cTn id="39" fill="hold">
+                            <p:stCondLst>
+                              <p:cond delay="0"/>
+                            </p:stCondLst>
+                            <p:childTnLst>
+                              <p:par>
+                                <p:cTn id="40" presetID="42" presetClass="entr" presetSubtype="0" fill="hold" nodeType="clickEffect">
+                                  <p:stCondLst>
+                                    <p:cond delay="0"/>
+                                  </p:stCondLst>
+                                  <p:childTnLst>
+                                    <p:set>
+                                      <p:cBhvr>
+                                        <p:cTn id="41" dur="1" fill="hold">
+                                          <p:stCondLst>
+                                            <p:cond delay="0"/>
+                                          </p:stCondLst>
+                                        </p:cTn>
+                                        <p:tgtEl>
+                                          <p:spTgt spid="3">
+                                            <p:txEl>
+                                              <p:pRg st="5" end="5"/>
+                                            </p:txEl>
+                                          </p:spTgt>
+                                        </p:tgtEl>
+                                        <p:attrNameLst>
+                                          <p:attrName>style.visibility</p:attrName>
+                                        </p:attrNameLst>
+                                      </p:cBhvr>
+                                      <p:to>
+                                        <p:strVal val="visible"/>
+                                      </p:to>
+                                    </p:set>
+                                    <p:animEffect transition="in" filter="fade">
+                                      <p:cBhvr>
+                                        <p:cTn id="42" dur="1000"/>
+                                        <p:tgtEl>
+                                          <p:spTgt spid="3">
+                                            <p:txEl>
+                                              <p:pRg st="5" end="5"/>
+                                            </p:txEl>
+                                          </p:spTgt>
+                                        </p:tgtEl>
+                                      </p:cBhvr>
+                                    </p:animEffect>
+                                    <p:anim calcmode="lin" valueType="num">
+                                      <p:cBhvr>
+                                        <p:cTn id="43" dur="1000" fill="hold"/>
+                                        <p:tgtEl>
+                                          <p:spTgt spid="3">
+                                            <p:txEl>
+                                              <p:pRg st="5" end="5"/>
+                                            </p:txEl>
+                                          </p:spTgt>
+                                        </p:tgtEl>
+                                        <p:attrNameLst>
+                                          <p:attrName>ppt_x</p:attrName>
+                                        </p:attrNameLst>
+                                      </p:cBhvr>
+                                      <p:tavLst>
+                                        <p:tav tm="0">
+                                          <p:val>
+                                            <p:strVal val="#ppt_x"/>
+                                          </p:val>
+                                        </p:tav>
+                                        <p:tav tm="100000">
+                                          <p:val>
+                                            <p:strVal val="#ppt_x"/>
+                                          </p:val>
+                                        </p:tav>
+                                      </p:tavLst>
+                                    </p:anim>
+                                    <p:anim calcmode="lin" valueType="num">
+                                      <p:cBhvr>
+                                        <p:cTn id="44" dur="1000" fill="hold"/>
+                                        <p:tgtEl>
+                                          <p:spTgt spid="3">
+                                            <p:txEl>
+                                              <p:pRg st="5" end="5"/>
+                                            </p:txEl>
+                                          </p:spTgt>
+                                        </p:tgtEl>
+                                        <p:attrNameLst>
+                                          <p:attrName>ppt_y</p:attrName>
+                                        </p:attrNameLst>
+                                      </p:cBhvr>
+                                      <p:tavLst>
+                                        <p:tav tm="0">
+                                          <p:val>
+                                            <p:strVal val="#ppt_y+.1"/>
+                                          </p:val>
+                                        </p:tav>
+                                        <p:tav tm="100000">
+                                          <p:val>
+                                            <p:strVal val="#ppt_y"/>
+                                          </p:val>
+                                        </p:tav>
+                                      </p:tavLst>
+                                    </p:anim>
+                                  </p:childTnLst>
+                                </p:cTn>
+                              </p:par>
+                            </p:childTnLst>
+                          </p:cTn>
+                        </p:par>
+                      </p:childTnLst>
+                    </p:cTn>
+                  </p:par>
+                </p:childTnLst>
+              </p:cTn>
+              <p:prevCondLst>
+                <p:cond evt="onPrev" delay="0">
+                  <p:tgtEl>
+                    <p:sldTgt/>
+                  </p:tgtEl>
+                </p:cond>
+              </p:prevCondLst>
+              <p:nextCondLst>
+                <p:cond evt="onNext" delay="0">
+                  <p:tgtEl>
+                    <p:sldTgt/>
+                  </p:tgtEl>
+                </p:cond>
+              </p:nextCondLst>
+            </p:seq>
+          </p:childTnLst>
+        </p:cTn>
+      </p:par>
+    </p:tnLst>
+  </p:timing>
 </p:sld>
 </file>
 

--- a/DevSecOps V1.1.pptx
+++ b/DevSecOps V1.1.pptx
@@ -7,10 +7,10 @@
     <p:sldMasterId id="2147483753" r:id="rId3"/>
   </p:sldMasterIdLst>
   <p:notesMasterIdLst>
-    <p:notesMasterId r:id="rId14"/>
+    <p:notesMasterId r:id="rId15"/>
   </p:notesMasterIdLst>
   <p:handoutMasterIdLst>
-    <p:handoutMasterId r:id="rId15"/>
+    <p:handoutMasterId r:id="rId16"/>
   </p:handoutMasterIdLst>
   <p:sldIdLst>
     <p:sldId id="866" r:id="rId4"/>
@@ -23,6 +23,7 @@
     <p:sldId id="897" r:id="rId11"/>
     <p:sldId id="898" r:id="rId12"/>
     <p:sldId id="899" r:id="rId13"/>
+    <p:sldId id="900" r:id="rId14"/>
   </p:sldIdLst>
   <p:sldSz cx="12192000" cy="6858000"/>
   <p:notesSz cx="6858000" cy="9144000"/>
@@ -136,6 +137,7 @@
             <p14:sldId id="897"/>
             <p14:sldId id="898"/>
             <p14:sldId id="899"/>
+            <p14:sldId id="900"/>
           </p14:sldIdLst>
         </p14:section>
         <p14:section name="CREDITS &amp; COPYRIGHTS" id="{96A22112-93F8-4FC4-92DC-51B794962ED1}">
@@ -313,7 +315,7 @@
             <a:fld id="{EA33B4B9-AFB0-43EB-82AF-ED70AC262E4F}" type="datetimeFigureOut">
               <a:rPr lang="en-US" smtClean="0"/>
               <a:pPr/>
-              <a:t>10/27/2022</a:t>
+              <a:t>12/18/2022</a:t>
             </a:fld>
             <a:endParaRPr lang="en-US"/>
           </a:p>
@@ -481,7 +483,7 @@
             <a:fld id="{3D31E77A-DD07-4A76-801D-B4BF4990C412}" type="datetimeFigureOut">
               <a:rPr lang="en-US" smtClean="0"/>
               <a:pPr/>
-              <a:t>10/27/2022</a:t>
+              <a:t>12/18/2022</a:t>
             </a:fld>
             <a:endParaRPr lang="en-US"/>
           </a:p>
@@ -20670,6 +20672,1007 @@
                                           <p:spTgt spid="3">
                                             <p:txEl>
                                               <p:pRg st="5" end="5"/>
+                                            </p:txEl>
+                                          </p:spTgt>
+                                        </p:tgtEl>
+                                        <p:attrNameLst>
+                                          <p:attrName>ppt_y</p:attrName>
+                                        </p:attrNameLst>
+                                      </p:cBhvr>
+                                      <p:tavLst>
+                                        <p:tav tm="0">
+                                          <p:val>
+                                            <p:strVal val="#ppt_y+.1"/>
+                                          </p:val>
+                                        </p:tav>
+                                        <p:tav tm="100000">
+                                          <p:val>
+                                            <p:strVal val="#ppt_y"/>
+                                          </p:val>
+                                        </p:tav>
+                                      </p:tavLst>
+                                    </p:anim>
+                                  </p:childTnLst>
+                                </p:cTn>
+                              </p:par>
+                            </p:childTnLst>
+                          </p:cTn>
+                        </p:par>
+                      </p:childTnLst>
+                    </p:cTn>
+                  </p:par>
+                </p:childTnLst>
+              </p:cTn>
+              <p:prevCondLst>
+                <p:cond evt="onPrev" delay="0">
+                  <p:tgtEl>
+                    <p:sldTgt/>
+                  </p:tgtEl>
+                </p:cond>
+              </p:prevCondLst>
+              <p:nextCondLst>
+                <p:cond evt="onNext" delay="0">
+                  <p:tgtEl>
+                    <p:sldTgt/>
+                  </p:tgtEl>
+                </p:cond>
+              </p:nextCondLst>
+            </p:seq>
+          </p:childTnLst>
+        </p:cTn>
+      </p:par>
+    </p:tnLst>
+  </p:timing>
+</p:sld>
+</file>
+
+<file path=ppt/slides/slide11.xml><?xml version="1.0" encoding="utf-8"?>
+<p:sld xmlns:a="http://schemas.openxmlformats.org/drawingml/2006/main" xmlns:r="http://schemas.openxmlformats.org/officeDocument/2006/relationships" xmlns:p="http://schemas.openxmlformats.org/presentationml/2006/main">
+  <p:cSld>
+    <p:spTree>
+      <p:nvGrpSpPr>
+        <p:cNvPr id="1" name=""/>
+        <p:cNvGrpSpPr/>
+        <p:nvPr/>
+      </p:nvGrpSpPr>
+      <p:grpSpPr>
+        <a:xfrm>
+          <a:off x="0" y="0"/>
+          <a:ext cx="0" cy="0"/>
+          <a:chOff x="0" y="0"/>
+          <a:chExt cx="0" cy="0"/>
+        </a:xfrm>
+      </p:grpSpPr>
+      <p:sp>
+        <p:nvSpPr>
+          <p:cNvPr id="2" name="Title 1">
+            <a:extLst>
+              <a:ext uri="{FF2B5EF4-FFF2-40B4-BE49-F238E27FC236}">
+                <a16:creationId xmlns:a16="http://schemas.microsoft.com/office/drawing/2014/main" id="{F62BD586-2E67-BD1F-3EAC-BBAA6F680668}"/>
+              </a:ext>
+            </a:extLst>
+          </p:cNvPr>
+          <p:cNvSpPr>
+            <a:spLocks noGrp="1"/>
+          </p:cNvSpPr>
+          <p:nvPr>
+            <p:ph type="title"/>
+          </p:nvPr>
+        </p:nvSpPr>
+        <p:spPr/>
+        <p:txBody>
+          <a:bodyPr/>
+          <a:lstStyle/>
+          <a:p>
+            <a:r>
+              <a:rPr lang="en-US" dirty="0"/>
+              <a:t>SonarQube Installation in Ubuntu</a:t>
+            </a:r>
+          </a:p>
+        </p:txBody>
+      </p:sp>
+      <p:sp>
+        <p:nvSpPr>
+          <p:cNvPr id="3" name="Content Placeholder 2">
+            <a:extLst>
+              <a:ext uri="{FF2B5EF4-FFF2-40B4-BE49-F238E27FC236}">
+                <a16:creationId xmlns:a16="http://schemas.microsoft.com/office/drawing/2014/main" id="{B8521976-B87D-AA4F-1BFC-9FC84F9373D5}"/>
+              </a:ext>
+            </a:extLst>
+          </p:cNvPr>
+          <p:cNvSpPr>
+            <a:spLocks noGrp="1"/>
+          </p:cNvSpPr>
+          <p:nvPr>
+            <p:ph idx="1"/>
+          </p:nvPr>
+        </p:nvSpPr>
+        <p:spPr/>
+        <p:txBody>
+          <a:bodyPr>
+            <a:normAutofit/>
+          </a:bodyPr>
+          <a:lstStyle/>
+          <a:p>
+            <a:r>
+              <a:rPr lang="en-US" b="1" u="sng" dirty="0"/>
+              <a:t>Prerequisites</a:t>
+            </a:r>
+          </a:p>
+          <a:p>
+            <a:r>
+              <a:rPr lang="en-US" dirty="0"/>
+              <a:t>Admin rights / </a:t>
+            </a:r>
+            <a:r>
+              <a:rPr lang="en-US" dirty="0" err="1"/>
+              <a:t>Sudo</a:t>
+            </a:r>
+            <a:r>
+              <a:rPr lang="en-US" dirty="0"/>
+              <a:t> user</a:t>
+            </a:r>
+          </a:p>
+          <a:p>
+            <a:r>
+              <a:rPr lang="en-US" dirty="0"/>
+              <a:t>Ubuntu as OS</a:t>
+            </a:r>
+          </a:p>
+          <a:p>
+            <a:r>
+              <a:rPr lang="en-US" dirty="0"/>
+              <a:t>Java installed</a:t>
+            </a:r>
+          </a:p>
+          <a:p>
+            <a:r>
+              <a:rPr lang="en-US" dirty="0"/>
+              <a:t>PostgreSQL (9.3 or higher)</a:t>
+            </a:r>
+          </a:p>
+          <a:p>
+            <a:r>
+              <a:rPr lang="en-US" dirty="0"/>
+              <a:t>SSH access</a:t>
+            </a:r>
+          </a:p>
+          <a:p>
+            <a:r>
+              <a:rPr lang="en-US" dirty="0"/>
+              <a:t>Port 9000 open </a:t>
+            </a:r>
+            <a:r>
+              <a:rPr lang="en-US"/>
+              <a:t>on firewall</a:t>
+            </a:r>
+            <a:endParaRPr lang="en-US" dirty="0"/>
+          </a:p>
+        </p:txBody>
+      </p:sp>
+      <p:sp>
+        <p:nvSpPr>
+          <p:cNvPr id="6" name="Slide Number Placeholder 5">
+            <a:extLst>
+              <a:ext uri="{FF2B5EF4-FFF2-40B4-BE49-F238E27FC236}">
+                <a16:creationId xmlns:a16="http://schemas.microsoft.com/office/drawing/2014/main" id="{64AAFC49-0020-316C-2EEB-F0198A6D7966}"/>
+              </a:ext>
+            </a:extLst>
+          </p:cNvPr>
+          <p:cNvSpPr>
+            <a:spLocks noGrp="1"/>
+          </p:cNvSpPr>
+          <p:nvPr>
+            <p:ph type="sldNum" sz="quarter" idx="12"/>
+          </p:nvPr>
+        </p:nvSpPr>
+        <p:spPr/>
+        <p:txBody>
+          <a:bodyPr/>
+          <a:lstStyle/>
+          <a:p>
+            <a:fld id="{D325CB3F-26C9-44D7-A7CB-40F86C5CE4B1}" type="slidenum">
+              <a:rPr lang="en-US" smtClean="0"/>
+              <a:t>11</a:t>
+            </a:fld>
+            <a:endParaRPr lang="en-US"/>
+          </a:p>
+        </p:txBody>
+      </p:sp>
+    </p:spTree>
+    <p:extLst>
+      <p:ext uri="{BB962C8B-B14F-4D97-AF65-F5344CB8AC3E}">
+        <p14:creationId xmlns:p14="http://schemas.microsoft.com/office/powerpoint/2010/main" val="450082323"/>
+      </p:ext>
+    </p:extLst>
+  </p:cSld>
+  <p:clrMapOvr>
+    <a:masterClrMapping/>
+  </p:clrMapOvr>
+  <p:timing>
+    <p:tnLst>
+      <p:par>
+        <p:cTn id="1" dur="indefinite" restart="never" nodeType="tmRoot">
+          <p:childTnLst>
+            <p:seq concurrent="1" nextAc="seek">
+              <p:cTn id="2" dur="indefinite" nodeType="mainSeq">
+                <p:childTnLst>
+                  <p:par>
+                    <p:cTn id="3" fill="hold">
+                      <p:stCondLst>
+                        <p:cond delay="indefinite"/>
+                      </p:stCondLst>
+                      <p:childTnLst>
+                        <p:par>
+                          <p:cTn id="4" fill="hold">
+                            <p:stCondLst>
+                              <p:cond delay="0"/>
+                            </p:stCondLst>
+                            <p:childTnLst>
+                              <p:par>
+                                <p:cTn id="5" presetID="42" presetClass="entr" presetSubtype="0" fill="hold" nodeType="clickEffect">
+                                  <p:stCondLst>
+                                    <p:cond delay="0"/>
+                                  </p:stCondLst>
+                                  <p:childTnLst>
+                                    <p:set>
+                                      <p:cBhvr>
+                                        <p:cTn id="6" dur="1" fill="hold">
+                                          <p:stCondLst>
+                                            <p:cond delay="0"/>
+                                          </p:stCondLst>
+                                        </p:cTn>
+                                        <p:tgtEl>
+                                          <p:spTgt spid="3">
+                                            <p:txEl>
+                                              <p:pRg st="0" end="0"/>
+                                            </p:txEl>
+                                          </p:spTgt>
+                                        </p:tgtEl>
+                                        <p:attrNameLst>
+                                          <p:attrName>style.visibility</p:attrName>
+                                        </p:attrNameLst>
+                                      </p:cBhvr>
+                                      <p:to>
+                                        <p:strVal val="visible"/>
+                                      </p:to>
+                                    </p:set>
+                                    <p:animEffect transition="in" filter="fade">
+                                      <p:cBhvr>
+                                        <p:cTn id="7" dur="1000"/>
+                                        <p:tgtEl>
+                                          <p:spTgt spid="3">
+                                            <p:txEl>
+                                              <p:pRg st="0" end="0"/>
+                                            </p:txEl>
+                                          </p:spTgt>
+                                        </p:tgtEl>
+                                      </p:cBhvr>
+                                    </p:animEffect>
+                                    <p:anim calcmode="lin" valueType="num">
+                                      <p:cBhvr>
+                                        <p:cTn id="8" dur="1000" fill="hold"/>
+                                        <p:tgtEl>
+                                          <p:spTgt spid="3">
+                                            <p:txEl>
+                                              <p:pRg st="0" end="0"/>
+                                            </p:txEl>
+                                          </p:spTgt>
+                                        </p:tgtEl>
+                                        <p:attrNameLst>
+                                          <p:attrName>ppt_x</p:attrName>
+                                        </p:attrNameLst>
+                                      </p:cBhvr>
+                                      <p:tavLst>
+                                        <p:tav tm="0">
+                                          <p:val>
+                                            <p:strVal val="#ppt_x"/>
+                                          </p:val>
+                                        </p:tav>
+                                        <p:tav tm="100000">
+                                          <p:val>
+                                            <p:strVal val="#ppt_x"/>
+                                          </p:val>
+                                        </p:tav>
+                                      </p:tavLst>
+                                    </p:anim>
+                                    <p:anim calcmode="lin" valueType="num">
+                                      <p:cBhvr>
+                                        <p:cTn id="9" dur="1000" fill="hold"/>
+                                        <p:tgtEl>
+                                          <p:spTgt spid="3">
+                                            <p:txEl>
+                                              <p:pRg st="0" end="0"/>
+                                            </p:txEl>
+                                          </p:spTgt>
+                                        </p:tgtEl>
+                                        <p:attrNameLst>
+                                          <p:attrName>ppt_y</p:attrName>
+                                        </p:attrNameLst>
+                                      </p:cBhvr>
+                                      <p:tavLst>
+                                        <p:tav tm="0">
+                                          <p:val>
+                                            <p:strVal val="#ppt_y+.1"/>
+                                          </p:val>
+                                        </p:tav>
+                                        <p:tav tm="100000">
+                                          <p:val>
+                                            <p:strVal val="#ppt_y"/>
+                                          </p:val>
+                                        </p:tav>
+                                      </p:tavLst>
+                                    </p:anim>
+                                  </p:childTnLst>
+                                </p:cTn>
+                              </p:par>
+                            </p:childTnLst>
+                          </p:cTn>
+                        </p:par>
+                      </p:childTnLst>
+                    </p:cTn>
+                  </p:par>
+                  <p:par>
+                    <p:cTn id="10" fill="hold">
+                      <p:stCondLst>
+                        <p:cond delay="indefinite"/>
+                      </p:stCondLst>
+                      <p:childTnLst>
+                        <p:par>
+                          <p:cTn id="11" fill="hold">
+                            <p:stCondLst>
+                              <p:cond delay="0"/>
+                            </p:stCondLst>
+                            <p:childTnLst>
+                              <p:par>
+                                <p:cTn id="12" presetID="42" presetClass="entr" presetSubtype="0" fill="hold" nodeType="clickEffect">
+                                  <p:stCondLst>
+                                    <p:cond delay="0"/>
+                                  </p:stCondLst>
+                                  <p:childTnLst>
+                                    <p:set>
+                                      <p:cBhvr>
+                                        <p:cTn id="13" dur="1" fill="hold">
+                                          <p:stCondLst>
+                                            <p:cond delay="0"/>
+                                          </p:stCondLst>
+                                        </p:cTn>
+                                        <p:tgtEl>
+                                          <p:spTgt spid="3">
+                                            <p:txEl>
+                                              <p:pRg st="1" end="1"/>
+                                            </p:txEl>
+                                          </p:spTgt>
+                                        </p:tgtEl>
+                                        <p:attrNameLst>
+                                          <p:attrName>style.visibility</p:attrName>
+                                        </p:attrNameLst>
+                                      </p:cBhvr>
+                                      <p:to>
+                                        <p:strVal val="visible"/>
+                                      </p:to>
+                                    </p:set>
+                                    <p:animEffect transition="in" filter="fade">
+                                      <p:cBhvr>
+                                        <p:cTn id="14" dur="1000"/>
+                                        <p:tgtEl>
+                                          <p:spTgt spid="3">
+                                            <p:txEl>
+                                              <p:pRg st="1" end="1"/>
+                                            </p:txEl>
+                                          </p:spTgt>
+                                        </p:tgtEl>
+                                      </p:cBhvr>
+                                    </p:animEffect>
+                                    <p:anim calcmode="lin" valueType="num">
+                                      <p:cBhvr>
+                                        <p:cTn id="15" dur="1000" fill="hold"/>
+                                        <p:tgtEl>
+                                          <p:spTgt spid="3">
+                                            <p:txEl>
+                                              <p:pRg st="1" end="1"/>
+                                            </p:txEl>
+                                          </p:spTgt>
+                                        </p:tgtEl>
+                                        <p:attrNameLst>
+                                          <p:attrName>ppt_x</p:attrName>
+                                        </p:attrNameLst>
+                                      </p:cBhvr>
+                                      <p:tavLst>
+                                        <p:tav tm="0">
+                                          <p:val>
+                                            <p:strVal val="#ppt_x"/>
+                                          </p:val>
+                                        </p:tav>
+                                        <p:tav tm="100000">
+                                          <p:val>
+                                            <p:strVal val="#ppt_x"/>
+                                          </p:val>
+                                        </p:tav>
+                                      </p:tavLst>
+                                    </p:anim>
+                                    <p:anim calcmode="lin" valueType="num">
+                                      <p:cBhvr>
+                                        <p:cTn id="16" dur="1000" fill="hold"/>
+                                        <p:tgtEl>
+                                          <p:spTgt spid="3">
+                                            <p:txEl>
+                                              <p:pRg st="1" end="1"/>
+                                            </p:txEl>
+                                          </p:spTgt>
+                                        </p:tgtEl>
+                                        <p:attrNameLst>
+                                          <p:attrName>ppt_y</p:attrName>
+                                        </p:attrNameLst>
+                                      </p:cBhvr>
+                                      <p:tavLst>
+                                        <p:tav tm="0">
+                                          <p:val>
+                                            <p:strVal val="#ppt_y+.1"/>
+                                          </p:val>
+                                        </p:tav>
+                                        <p:tav tm="100000">
+                                          <p:val>
+                                            <p:strVal val="#ppt_y"/>
+                                          </p:val>
+                                        </p:tav>
+                                      </p:tavLst>
+                                    </p:anim>
+                                  </p:childTnLst>
+                                </p:cTn>
+                              </p:par>
+                            </p:childTnLst>
+                          </p:cTn>
+                        </p:par>
+                      </p:childTnLst>
+                    </p:cTn>
+                  </p:par>
+                  <p:par>
+                    <p:cTn id="17" fill="hold">
+                      <p:stCondLst>
+                        <p:cond delay="indefinite"/>
+                      </p:stCondLst>
+                      <p:childTnLst>
+                        <p:par>
+                          <p:cTn id="18" fill="hold">
+                            <p:stCondLst>
+                              <p:cond delay="0"/>
+                            </p:stCondLst>
+                            <p:childTnLst>
+                              <p:par>
+                                <p:cTn id="19" presetID="42" presetClass="entr" presetSubtype="0" fill="hold" nodeType="clickEffect">
+                                  <p:stCondLst>
+                                    <p:cond delay="0"/>
+                                  </p:stCondLst>
+                                  <p:childTnLst>
+                                    <p:set>
+                                      <p:cBhvr>
+                                        <p:cTn id="20" dur="1" fill="hold">
+                                          <p:stCondLst>
+                                            <p:cond delay="0"/>
+                                          </p:stCondLst>
+                                        </p:cTn>
+                                        <p:tgtEl>
+                                          <p:spTgt spid="3">
+                                            <p:txEl>
+                                              <p:pRg st="2" end="2"/>
+                                            </p:txEl>
+                                          </p:spTgt>
+                                        </p:tgtEl>
+                                        <p:attrNameLst>
+                                          <p:attrName>style.visibility</p:attrName>
+                                        </p:attrNameLst>
+                                      </p:cBhvr>
+                                      <p:to>
+                                        <p:strVal val="visible"/>
+                                      </p:to>
+                                    </p:set>
+                                    <p:animEffect transition="in" filter="fade">
+                                      <p:cBhvr>
+                                        <p:cTn id="21" dur="1000"/>
+                                        <p:tgtEl>
+                                          <p:spTgt spid="3">
+                                            <p:txEl>
+                                              <p:pRg st="2" end="2"/>
+                                            </p:txEl>
+                                          </p:spTgt>
+                                        </p:tgtEl>
+                                      </p:cBhvr>
+                                    </p:animEffect>
+                                    <p:anim calcmode="lin" valueType="num">
+                                      <p:cBhvr>
+                                        <p:cTn id="22" dur="1000" fill="hold"/>
+                                        <p:tgtEl>
+                                          <p:spTgt spid="3">
+                                            <p:txEl>
+                                              <p:pRg st="2" end="2"/>
+                                            </p:txEl>
+                                          </p:spTgt>
+                                        </p:tgtEl>
+                                        <p:attrNameLst>
+                                          <p:attrName>ppt_x</p:attrName>
+                                        </p:attrNameLst>
+                                      </p:cBhvr>
+                                      <p:tavLst>
+                                        <p:tav tm="0">
+                                          <p:val>
+                                            <p:strVal val="#ppt_x"/>
+                                          </p:val>
+                                        </p:tav>
+                                        <p:tav tm="100000">
+                                          <p:val>
+                                            <p:strVal val="#ppt_x"/>
+                                          </p:val>
+                                        </p:tav>
+                                      </p:tavLst>
+                                    </p:anim>
+                                    <p:anim calcmode="lin" valueType="num">
+                                      <p:cBhvr>
+                                        <p:cTn id="23" dur="1000" fill="hold"/>
+                                        <p:tgtEl>
+                                          <p:spTgt spid="3">
+                                            <p:txEl>
+                                              <p:pRg st="2" end="2"/>
+                                            </p:txEl>
+                                          </p:spTgt>
+                                        </p:tgtEl>
+                                        <p:attrNameLst>
+                                          <p:attrName>ppt_y</p:attrName>
+                                        </p:attrNameLst>
+                                      </p:cBhvr>
+                                      <p:tavLst>
+                                        <p:tav tm="0">
+                                          <p:val>
+                                            <p:strVal val="#ppt_y+.1"/>
+                                          </p:val>
+                                        </p:tav>
+                                        <p:tav tm="100000">
+                                          <p:val>
+                                            <p:strVal val="#ppt_y"/>
+                                          </p:val>
+                                        </p:tav>
+                                      </p:tavLst>
+                                    </p:anim>
+                                  </p:childTnLst>
+                                </p:cTn>
+                              </p:par>
+                            </p:childTnLst>
+                          </p:cTn>
+                        </p:par>
+                      </p:childTnLst>
+                    </p:cTn>
+                  </p:par>
+                  <p:par>
+                    <p:cTn id="24" fill="hold">
+                      <p:stCondLst>
+                        <p:cond delay="indefinite"/>
+                      </p:stCondLst>
+                      <p:childTnLst>
+                        <p:par>
+                          <p:cTn id="25" fill="hold">
+                            <p:stCondLst>
+                              <p:cond delay="0"/>
+                            </p:stCondLst>
+                            <p:childTnLst>
+                              <p:par>
+                                <p:cTn id="26" presetID="42" presetClass="entr" presetSubtype="0" fill="hold" nodeType="clickEffect">
+                                  <p:stCondLst>
+                                    <p:cond delay="0"/>
+                                  </p:stCondLst>
+                                  <p:childTnLst>
+                                    <p:set>
+                                      <p:cBhvr>
+                                        <p:cTn id="27" dur="1" fill="hold">
+                                          <p:stCondLst>
+                                            <p:cond delay="0"/>
+                                          </p:stCondLst>
+                                        </p:cTn>
+                                        <p:tgtEl>
+                                          <p:spTgt spid="3">
+                                            <p:txEl>
+                                              <p:pRg st="3" end="3"/>
+                                            </p:txEl>
+                                          </p:spTgt>
+                                        </p:tgtEl>
+                                        <p:attrNameLst>
+                                          <p:attrName>style.visibility</p:attrName>
+                                        </p:attrNameLst>
+                                      </p:cBhvr>
+                                      <p:to>
+                                        <p:strVal val="visible"/>
+                                      </p:to>
+                                    </p:set>
+                                    <p:animEffect transition="in" filter="fade">
+                                      <p:cBhvr>
+                                        <p:cTn id="28" dur="1000"/>
+                                        <p:tgtEl>
+                                          <p:spTgt spid="3">
+                                            <p:txEl>
+                                              <p:pRg st="3" end="3"/>
+                                            </p:txEl>
+                                          </p:spTgt>
+                                        </p:tgtEl>
+                                      </p:cBhvr>
+                                    </p:animEffect>
+                                    <p:anim calcmode="lin" valueType="num">
+                                      <p:cBhvr>
+                                        <p:cTn id="29" dur="1000" fill="hold"/>
+                                        <p:tgtEl>
+                                          <p:spTgt spid="3">
+                                            <p:txEl>
+                                              <p:pRg st="3" end="3"/>
+                                            </p:txEl>
+                                          </p:spTgt>
+                                        </p:tgtEl>
+                                        <p:attrNameLst>
+                                          <p:attrName>ppt_x</p:attrName>
+                                        </p:attrNameLst>
+                                      </p:cBhvr>
+                                      <p:tavLst>
+                                        <p:tav tm="0">
+                                          <p:val>
+                                            <p:strVal val="#ppt_x"/>
+                                          </p:val>
+                                        </p:tav>
+                                        <p:tav tm="100000">
+                                          <p:val>
+                                            <p:strVal val="#ppt_x"/>
+                                          </p:val>
+                                        </p:tav>
+                                      </p:tavLst>
+                                    </p:anim>
+                                    <p:anim calcmode="lin" valueType="num">
+                                      <p:cBhvr>
+                                        <p:cTn id="30" dur="1000" fill="hold"/>
+                                        <p:tgtEl>
+                                          <p:spTgt spid="3">
+                                            <p:txEl>
+                                              <p:pRg st="3" end="3"/>
+                                            </p:txEl>
+                                          </p:spTgt>
+                                        </p:tgtEl>
+                                        <p:attrNameLst>
+                                          <p:attrName>ppt_y</p:attrName>
+                                        </p:attrNameLst>
+                                      </p:cBhvr>
+                                      <p:tavLst>
+                                        <p:tav tm="0">
+                                          <p:val>
+                                            <p:strVal val="#ppt_y+.1"/>
+                                          </p:val>
+                                        </p:tav>
+                                        <p:tav tm="100000">
+                                          <p:val>
+                                            <p:strVal val="#ppt_y"/>
+                                          </p:val>
+                                        </p:tav>
+                                      </p:tavLst>
+                                    </p:anim>
+                                  </p:childTnLst>
+                                </p:cTn>
+                              </p:par>
+                            </p:childTnLst>
+                          </p:cTn>
+                        </p:par>
+                      </p:childTnLst>
+                    </p:cTn>
+                  </p:par>
+                  <p:par>
+                    <p:cTn id="31" fill="hold">
+                      <p:stCondLst>
+                        <p:cond delay="indefinite"/>
+                      </p:stCondLst>
+                      <p:childTnLst>
+                        <p:par>
+                          <p:cTn id="32" fill="hold">
+                            <p:stCondLst>
+                              <p:cond delay="0"/>
+                            </p:stCondLst>
+                            <p:childTnLst>
+                              <p:par>
+                                <p:cTn id="33" presetID="42" presetClass="entr" presetSubtype="0" fill="hold" nodeType="clickEffect">
+                                  <p:stCondLst>
+                                    <p:cond delay="0"/>
+                                  </p:stCondLst>
+                                  <p:childTnLst>
+                                    <p:set>
+                                      <p:cBhvr>
+                                        <p:cTn id="34" dur="1" fill="hold">
+                                          <p:stCondLst>
+                                            <p:cond delay="0"/>
+                                          </p:stCondLst>
+                                        </p:cTn>
+                                        <p:tgtEl>
+                                          <p:spTgt spid="3">
+                                            <p:txEl>
+                                              <p:pRg st="4" end="4"/>
+                                            </p:txEl>
+                                          </p:spTgt>
+                                        </p:tgtEl>
+                                        <p:attrNameLst>
+                                          <p:attrName>style.visibility</p:attrName>
+                                        </p:attrNameLst>
+                                      </p:cBhvr>
+                                      <p:to>
+                                        <p:strVal val="visible"/>
+                                      </p:to>
+                                    </p:set>
+                                    <p:animEffect transition="in" filter="fade">
+                                      <p:cBhvr>
+                                        <p:cTn id="35" dur="1000"/>
+                                        <p:tgtEl>
+                                          <p:spTgt spid="3">
+                                            <p:txEl>
+                                              <p:pRg st="4" end="4"/>
+                                            </p:txEl>
+                                          </p:spTgt>
+                                        </p:tgtEl>
+                                      </p:cBhvr>
+                                    </p:animEffect>
+                                    <p:anim calcmode="lin" valueType="num">
+                                      <p:cBhvr>
+                                        <p:cTn id="36" dur="1000" fill="hold"/>
+                                        <p:tgtEl>
+                                          <p:spTgt spid="3">
+                                            <p:txEl>
+                                              <p:pRg st="4" end="4"/>
+                                            </p:txEl>
+                                          </p:spTgt>
+                                        </p:tgtEl>
+                                        <p:attrNameLst>
+                                          <p:attrName>ppt_x</p:attrName>
+                                        </p:attrNameLst>
+                                      </p:cBhvr>
+                                      <p:tavLst>
+                                        <p:tav tm="0">
+                                          <p:val>
+                                            <p:strVal val="#ppt_x"/>
+                                          </p:val>
+                                        </p:tav>
+                                        <p:tav tm="100000">
+                                          <p:val>
+                                            <p:strVal val="#ppt_x"/>
+                                          </p:val>
+                                        </p:tav>
+                                      </p:tavLst>
+                                    </p:anim>
+                                    <p:anim calcmode="lin" valueType="num">
+                                      <p:cBhvr>
+                                        <p:cTn id="37" dur="1000" fill="hold"/>
+                                        <p:tgtEl>
+                                          <p:spTgt spid="3">
+                                            <p:txEl>
+                                              <p:pRg st="4" end="4"/>
+                                            </p:txEl>
+                                          </p:spTgt>
+                                        </p:tgtEl>
+                                        <p:attrNameLst>
+                                          <p:attrName>ppt_y</p:attrName>
+                                        </p:attrNameLst>
+                                      </p:cBhvr>
+                                      <p:tavLst>
+                                        <p:tav tm="0">
+                                          <p:val>
+                                            <p:strVal val="#ppt_y+.1"/>
+                                          </p:val>
+                                        </p:tav>
+                                        <p:tav tm="100000">
+                                          <p:val>
+                                            <p:strVal val="#ppt_y"/>
+                                          </p:val>
+                                        </p:tav>
+                                      </p:tavLst>
+                                    </p:anim>
+                                  </p:childTnLst>
+                                </p:cTn>
+                              </p:par>
+                            </p:childTnLst>
+                          </p:cTn>
+                        </p:par>
+                      </p:childTnLst>
+                    </p:cTn>
+                  </p:par>
+                  <p:par>
+                    <p:cTn id="38" fill="hold">
+                      <p:stCondLst>
+                        <p:cond delay="indefinite"/>
+                      </p:stCondLst>
+                      <p:childTnLst>
+                        <p:par>
+                          <p:cTn id="39" fill="hold">
+                            <p:stCondLst>
+                              <p:cond delay="0"/>
+                            </p:stCondLst>
+                            <p:childTnLst>
+                              <p:par>
+                                <p:cTn id="40" presetID="42" presetClass="entr" presetSubtype="0" fill="hold" nodeType="clickEffect">
+                                  <p:stCondLst>
+                                    <p:cond delay="0"/>
+                                  </p:stCondLst>
+                                  <p:childTnLst>
+                                    <p:set>
+                                      <p:cBhvr>
+                                        <p:cTn id="41" dur="1" fill="hold">
+                                          <p:stCondLst>
+                                            <p:cond delay="0"/>
+                                          </p:stCondLst>
+                                        </p:cTn>
+                                        <p:tgtEl>
+                                          <p:spTgt spid="3">
+                                            <p:txEl>
+                                              <p:pRg st="5" end="5"/>
+                                            </p:txEl>
+                                          </p:spTgt>
+                                        </p:tgtEl>
+                                        <p:attrNameLst>
+                                          <p:attrName>style.visibility</p:attrName>
+                                        </p:attrNameLst>
+                                      </p:cBhvr>
+                                      <p:to>
+                                        <p:strVal val="visible"/>
+                                      </p:to>
+                                    </p:set>
+                                    <p:animEffect transition="in" filter="fade">
+                                      <p:cBhvr>
+                                        <p:cTn id="42" dur="1000"/>
+                                        <p:tgtEl>
+                                          <p:spTgt spid="3">
+                                            <p:txEl>
+                                              <p:pRg st="5" end="5"/>
+                                            </p:txEl>
+                                          </p:spTgt>
+                                        </p:tgtEl>
+                                      </p:cBhvr>
+                                    </p:animEffect>
+                                    <p:anim calcmode="lin" valueType="num">
+                                      <p:cBhvr>
+                                        <p:cTn id="43" dur="1000" fill="hold"/>
+                                        <p:tgtEl>
+                                          <p:spTgt spid="3">
+                                            <p:txEl>
+                                              <p:pRg st="5" end="5"/>
+                                            </p:txEl>
+                                          </p:spTgt>
+                                        </p:tgtEl>
+                                        <p:attrNameLst>
+                                          <p:attrName>ppt_x</p:attrName>
+                                        </p:attrNameLst>
+                                      </p:cBhvr>
+                                      <p:tavLst>
+                                        <p:tav tm="0">
+                                          <p:val>
+                                            <p:strVal val="#ppt_x"/>
+                                          </p:val>
+                                        </p:tav>
+                                        <p:tav tm="100000">
+                                          <p:val>
+                                            <p:strVal val="#ppt_x"/>
+                                          </p:val>
+                                        </p:tav>
+                                      </p:tavLst>
+                                    </p:anim>
+                                    <p:anim calcmode="lin" valueType="num">
+                                      <p:cBhvr>
+                                        <p:cTn id="44" dur="1000" fill="hold"/>
+                                        <p:tgtEl>
+                                          <p:spTgt spid="3">
+                                            <p:txEl>
+                                              <p:pRg st="5" end="5"/>
+                                            </p:txEl>
+                                          </p:spTgt>
+                                        </p:tgtEl>
+                                        <p:attrNameLst>
+                                          <p:attrName>ppt_y</p:attrName>
+                                        </p:attrNameLst>
+                                      </p:cBhvr>
+                                      <p:tavLst>
+                                        <p:tav tm="0">
+                                          <p:val>
+                                            <p:strVal val="#ppt_y+.1"/>
+                                          </p:val>
+                                        </p:tav>
+                                        <p:tav tm="100000">
+                                          <p:val>
+                                            <p:strVal val="#ppt_y"/>
+                                          </p:val>
+                                        </p:tav>
+                                      </p:tavLst>
+                                    </p:anim>
+                                  </p:childTnLst>
+                                </p:cTn>
+                              </p:par>
+                            </p:childTnLst>
+                          </p:cTn>
+                        </p:par>
+                      </p:childTnLst>
+                    </p:cTn>
+                  </p:par>
+                  <p:par>
+                    <p:cTn id="45" fill="hold">
+                      <p:stCondLst>
+                        <p:cond delay="indefinite"/>
+                      </p:stCondLst>
+                      <p:childTnLst>
+                        <p:par>
+                          <p:cTn id="46" fill="hold">
+                            <p:stCondLst>
+                              <p:cond delay="0"/>
+                            </p:stCondLst>
+                            <p:childTnLst>
+                              <p:par>
+                                <p:cTn id="47" presetID="42" presetClass="entr" presetSubtype="0" fill="hold" nodeType="clickEffect">
+                                  <p:stCondLst>
+                                    <p:cond delay="0"/>
+                                  </p:stCondLst>
+                                  <p:childTnLst>
+                                    <p:set>
+                                      <p:cBhvr>
+                                        <p:cTn id="48" dur="1" fill="hold">
+                                          <p:stCondLst>
+                                            <p:cond delay="0"/>
+                                          </p:stCondLst>
+                                        </p:cTn>
+                                        <p:tgtEl>
+                                          <p:spTgt spid="3">
+                                            <p:txEl>
+                                              <p:pRg st="6" end="6"/>
+                                            </p:txEl>
+                                          </p:spTgt>
+                                        </p:tgtEl>
+                                        <p:attrNameLst>
+                                          <p:attrName>style.visibility</p:attrName>
+                                        </p:attrNameLst>
+                                      </p:cBhvr>
+                                      <p:to>
+                                        <p:strVal val="visible"/>
+                                      </p:to>
+                                    </p:set>
+                                    <p:animEffect transition="in" filter="fade">
+                                      <p:cBhvr>
+                                        <p:cTn id="49" dur="1000"/>
+                                        <p:tgtEl>
+                                          <p:spTgt spid="3">
+                                            <p:txEl>
+                                              <p:pRg st="6" end="6"/>
+                                            </p:txEl>
+                                          </p:spTgt>
+                                        </p:tgtEl>
+                                      </p:cBhvr>
+                                    </p:animEffect>
+                                    <p:anim calcmode="lin" valueType="num">
+                                      <p:cBhvr>
+                                        <p:cTn id="50" dur="1000" fill="hold"/>
+                                        <p:tgtEl>
+                                          <p:spTgt spid="3">
+                                            <p:txEl>
+                                              <p:pRg st="6" end="6"/>
+                                            </p:txEl>
+                                          </p:spTgt>
+                                        </p:tgtEl>
+                                        <p:attrNameLst>
+                                          <p:attrName>ppt_x</p:attrName>
+                                        </p:attrNameLst>
+                                      </p:cBhvr>
+                                      <p:tavLst>
+                                        <p:tav tm="0">
+                                          <p:val>
+                                            <p:strVal val="#ppt_x"/>
+                                          </p:val>
+                                        </p:tav>
+                                        <p:tav tm="100000">
+                                          <p:val>
+                                            <p:strVal val="#ppt_x"/>
+                                          </p:val>
+                                        </p:tav>
+                                      </p:tavLst>
+                                    </p:anim>
+                                    <p:anim calcmode="lin" valueType="num">
+                                      <p:cBhvr>
+                                        <p:cTn id="51" dur="1000" fill="hold"/>
+                                        <p:tgtEl>
+                                          <p:spTgt spid="3">
+                                            <p:txEl>
+                                              <p:pRg st="6" end="6"/>
                                             </p:txEl>
                                           </p:spTgt>
                                         </p:tgtEl>
